--- a/Lecture_3_20170627/강의자료20170627.pptx
+++ b/Lecture_3_20170627/강의자료20170627.pptx
@@ -23,6 +23,13 @@
     <p:sldId id="273" r:id="rId17"/>
     <p:sldId id="271" r:id="rId18"/>
     <p:sldId id="274" r:id="rId19"/>
+    <p:sldId id="275" r:id="rId20"/>
+    <p:sldId id="276" r:id="rId21"/>
+    <p:sldId id="277" r:id="rId22"/>
+    <p:sldId id="278" r:id="rId23"/>
+    <p:sldId id="279" r:id="rId24"/>
+    <p:sldId id="280" r:id="rId25"/>
+    <p:sldId id="281" r:id="rId26"/>
   </p:sldIdLst>
   <p:sldSz cx="9144000" cy="6858000" type="screen4x3"/>
   <p:notesSz cx="6858000" cy="9144000"/>
@@ -140,6 +147,10 @@
 </p:presentation>
 </file>
 
+<file path=ppt/revisionInfo.xml><?xml version="1.0" encoding="utf-8"?>
+<p1510:revInfo xmlns:a="http://schemas.openxmlformats.org/drawingml/2006/main" xmlns:r="http://schemas.openxmlformats.org/officeDocument/2006/relationships" xmlns:p1510="http://schemas.microsoft.com/office/powerpoint/2015/10/main"/>
+</file>
+
 <file path=ppt/slideLayouts/slideLayout1.xml><?xml version="1.0" encoding="utf-8"?>
 <p:sldLayout xmlns:a="http://schemas.openxmlformats.org/drawingml/2006/main" xmlns:r="http://schemas.openxmlformats.org/officeDocument/2006/relationships" xmlns:p="http://schemas.openxmlformats.org/presentationml/2006/main" type="title" preserve="1">
   <p:cSld name="제목 슬라이드">
@@ -271,7 +282,7 @@
           <a:p>
             <a:fld id="{6FA17F62-CA75-48C4-AF18-02BB96EF6796}" type="datetimeFigureOut">
               <a:rPr lang="ko-KR" altLang="en-US" smtClean="0"/>
-              <a:t>2017-06-26</a:t>
+              <a:t>2017-06-27</a:t>
             </a:fld>
             <a:endParaRPr lang="ko-KR" altLang="en-US"/>
           </a:p>
@@ -441,7 +452,7 @@
           <a:p>
             <a:fld id="{6FA17F62-CA75-48C4-AF18-02BB96EF6796}" type="datetimeFigureOut">
               <a:rPr lang="ko-KR" altLang="en-US" smtClean="0"/>
-              <a:t>2017-06-26</a:t>
+              <a:t>2017-06-27</a:t>
             </a:fld>
             <a:endParaRPr lang="ko-KR" altLang="en-US"/>
           </a:p>
@@ -621,7 +632,7 @@
           <a:p>
             <a:fld id="{6FA17F62-CA75-48C4-AF18-02BB96EF6796}" type="datetimeFigureOut">
               <a:rPr lang="ko-KR" altLang="en-US" smtClean="0"/>
-              <a:t>2017-06-26</a:t>
+              <a:t>2017-06-27</a:t>
             </a:fld>
             <a:endParaRPr lang="ko-KR" altLang="en-US"/>
           </a:p>
@@ -791,7 +802,7 @@
           <a:p>
             <a:fld id="{6FA17F62-CA75-48C4-AF18-02BB96EF6796}" type="datetimeFigureOut">
               <a:rPr lang="ko-KR" altLang="en-US" smtClean="0"/>
-              <a:t>2017-06-26</a:t>
+              <a:t>2017-06-27</a:t>
             </a:fld>
             <a:endParaRPr lang="ko-KR" altLang="en-US"/>
           </a:p>
@@ -1035,7 +1046,7 @@
           <a:p>
             <a:fld id="{6FA17F62-CA75-48C4-AF18-02BB96EF6796}" type="datetimeFigureOut">
               <a:rPr lang="ko-KR" altLang="en-US" smtClean="0"/>
-              <a:t>2017-06-26</a:t>
+              <a:t>2017-06-27</a:t>
             </a:fld>
             <a:endParaRPr lang="ko-KR" altLang="en-US"/>
           </a:p>
@@ -1267,7 +1278,7 @@
           <a:p>
             <a:fld id="{6FA17F62-CA75-48C4-AF18-02BB96EF6796}" type="datetimeFigureOut">
               <a:rPr lang="ko-KR" altLang="en-US" smtClean="0"/>
-              <a:t>2017-06-26</a:t>
+              <a:t>2017-06-27</a:t>
             </a:fld>
             <a:endParaRPr lang="ko-KR" altLang="en-US"/>
           </a:p>
@@ -1634,7 +1645,7 @@
           <a:p>
             <a:fld id="{6FA17F62-CA75-48C4-AF18-02BB96EF6796}" type="datetimeFigureOut">
               <a:rPr lang="ko-KR" altLang="en-US" smtClean="0"/>
-              <a:t>2017-06-26</a:t>
+              <a:t>2017-06-27</a:t>
             </a:fld>
             <a:endParaRPr lang="ko-KR" altLang="en-US"/>
           </a:p>
@@ -1752,7 +1763,7 @@
           <a:p>
             <a:fld id="{6FA17F62-CA75-48C4-AF18-02BB96EF6796}" type="datetimeFigureOut">
               <a:rPr lang="ko-KR" altLang="en-US" smtClean="0"/>
-              <a:t>2017-06-26</a:t>
+              <a:t>2017-06-27</a:t>
             </a:fld>
             <a:endParaRPr lang="ko-KR" altLang="en-US"/>
           </a:p>
@@ -1847,7 +1858,7 @@
           <a:p>
             <a:fld id="{6FA17F62-CA75-48C4-AF18-02BB96EF6796}" type="datetimeFigureOut">
               <a:rPr lang="ko-KR" altLang="en-US" smtClean="0"/>
-              <a:t>2017-06-26</a:t>
+              <a:t>2017-06-27</a:t>
             </a:fld>
             <a:endParaRPr lang="ko-KR" altLang="en-US"/>
           </a:p>
@@ -2124,7 +2135,7 @@
           <a:p>
             <a:fld id="{6FA17F62-CA75-48C4-AF18-02BB96EF6796}" type="datetimeFigureOut">
               <a:rPr lang="ko-KR" altLang="en-US" smtClean="0"/>
-              <a:t>2017-06-26</a:t>
+              <a:t>2017-06-27</a:t>
             </a:fld>
             <a:endParaRPr lang="ko-KR" altLang="en-US"/>
           </a:p>
@@ -2381,7 +2392,7 @@
           <a:p>
             <a:fld id="{6FA17F62-CA75-48C4-AF18-02BB96EF6796}" type="datetimeFigureOut">
               <a:rPr lang="ko-KR" altLang="en-US" smtClean="0"/>
-              <a:t>2017-06-26</a:t>
+              <a:t>2017-06-27</a:t>
             </a:fld>
             <a:endParaRPr lang="ko-KR" altLang="en-US"/>
           </a:p>
@@ -2594,7 +2605,7 @@
           <a:p>
             <a:fld id="{6FA17F62-CA75-48C4-AF18-02BB96EF6796}" type="datetimeFigureOut">
               <a:rPr lang="ko-KR" altLang="en-US" smtClean="0"/>
-              <a:t>2017-06-26</a:t>
+              <a:t>2017-06-27</a:t>
             </a:fld>
             <a:endParaRPr lang="ko-KR" altLang="en-US"/>
           </a:p>
@@ -7965,8 +7976,8 @@
         </p:nvSpPr>
         <p:spPr>
           <a:xfrm>
-            <a:off x="3545176" y="571675"/>
-            <a:ext cx="5177117" cy="1754326"/>
+            <a:off x="3545176" y="764414"/>
+            <a:ext cx="5177117" cy="1293624"/>
           </a:xfrm>
           <a:prstGeom prst="rect">
             <a:avLst/>
@@ -7998,12 +8009,9 @@
             </a:pPr>
             <a:r>
               <a:rPr lang="ko-KR" altLang="en-US" dirty="0"/>
-              <a:t>옆에서 보면서 경첩을 접을 때</a:t>
-            </a:r>
-            <a:r>
-              <a:rPr lang="en-US" altLang="ko-KR" dirty="0"/>
-              <a:t>,</a:t>
-            </a:r>
+              <a:t>완전히 겹쳐지게 진행시키면서 옆에서 관찰할 때</a:t>
+            </a:r>
+            <a:endParaRPr lang="en-US" altLang="ko-KR" dirty="0"/>
           </a:p>
           <a:p>
             <a:pPr>
@@ -8025,20 +8033,13 @@
             </a:r>
             <a:r>
               <a:rPr lang="ko-KR" altLang="en-US" dirty="0"/>
-              <a:t>의 변화를 지켜보면서</a:t>
-            </a:r>
-            <a:endParaRPr lang="en-US" altLang="ko-KR" dirty="0"/>
-          </a:p>
-          <a:p>
-            <a:pPr>
-              <a:lnSpc>
-                <a:spcPct val="150000"/>
-              </a:lnSpc>
-            </a:pPr>
-            <a:r>
-              <a:rPr lang="ko-KR" altLang="en-US" dirty="0"/>
-              <a:t>경첩이 완전히 겹쳐지게 진행시킬 경우</a:t>
-            </a:r>
+              <a:t>의 변화를 지켜보면</a:t>
+            </a:r>
+            <a:r>
+              <a:rPr lang="en-US" altLang="ko-KR" dirty="0"/>
+              <a:t>,</a:t>
+            </a:r>
+            <a:endParaRPr lang="ko-KR" altLang="en-US" dirty="0"/>
           </a:p>
         </p:txBody>
       </p:sp>
@@ -10058,6 +10059,267 @@
 </p:sld>
 </file>
 
+<file path=ppt/slides/slide19.xml><?xml version="1.0" encoding="utf-8"?>
+<p:sld xmlns:a="http://schemas.openxmlformats.org/drawingml/2006/main" xmlns:r="http://schemas.openxmlformats.org/officeDocument/2006/relationships" xmlns:p="http://schemas.openxmlformats.org/presentationml/2006/main">
+  <p:cSld>
+    <p:spTree>
+      <p:nvGrpSpPr>
+        <p:cNvPr id="1" name=""/>
+        <p:cNvGrpSpPr/>
+        <p:nvPr/>
+      </p:nvGrpSpPr>
+      <p:grpSpPr>
+        <a:xfrm>
+          <a:off x="0" y="0"/>
+          <a:ext cx="0" cy="0"/>
+          <a:chOff x="0" y="0"/>
+          <a:chExt cx="0" cy="0"/>
+        </a:xfrm>
+      </p:grpSpPr>
+      <p:pic>
+        <p:nvPicPr>
+          <p:cNvPr id="4" name="_x141629320" descr="EMB00000c08037d">
+            <a:extLst>
+              <a:ext uri="{FF2B5EF4-FFF2-40B4-BE49-F238E27FC236}">
+                <a16:creationId xmlns:a16="http://schemas.microsoft.com/office/drawing/2014/main" id="{98B05EA5-4635-4C18-9B8B-1EA3592372CC}"/>
+              </a:ext>
+            </a:extLst>
+          </p:cNvPr>
+          <p:cNvPicPr>
+            <a:picLocks noChangeAspect="1" noChangeArrowheads="1"/>
+          </p:cNvPicPr>
+          <p:nvPr/>
+        </p:nvPicPr>
+        <p:blipFill>
+          <a:blip r:embed="rId2" cstate="print"/>
+          <a:srcRect/>
+          <a:stretch>
+            <a:fillRect/>
+          </a:stretch>
+        </p:blipFill>
+        <p:spPr bwMode="auto">
+          <a:xfrm>
+            <a:off x="2810436" y="1907580"/>
+            <a:ext cx="3590362" cy="3418524"/>
+          </a:xfrm>
+          <a:prstGeom prst="rect">
+            <a:avLst/>
+          </a:prstGeom>
+          <a:noFill/>
+        </p:spPr>
+      </p:pic>
+      <p:sp>
+        <p:nvSpPr>
+          <p:cNvPr id="5" name="TextBox 4">
+            <a:extLst>
+              <a:ext uri="{FF2B5EF4-FFF2-40B4-BE49-F238E27FC236}">
+                <a16:creationId xmlns:a16="http://schemas.microsoft.com/office/drawing/2014/main" id="{CC34308B-4558-4DAB-8B0A-2EC697F471F0}"/>
+              </a:ext>
+            </a:extLst>
+          </p:cNvPr>
+          <p:cNvSpPr txBox="1"/>
+          <p:nvPr/>
+        </p:nvSpPr>
+        <p:spPr>
+          <a:xfrm>
+            <a:off x="2021540" y="5710510"/>
+            <a:ext cx="5168154" cy="586058"/>
+          </a:xfrm>
+          <a:prstGeom prst="rect">
+            <a:avLst/>
+          </a:prstGeom>
+          <a:noFill/>
+        </p:spPr>
+        <p:txBody>
+          <a:bodyPr wrap="square" rtlCol="0">
+            <a:spAutoFit/>
+          </a:bodyPr>
+          <a:lstStyle/>
+          <a:p>
+            <a:pPr algn="ctr">
+              <a:lnSpc>
+                <a:spcPct val="150000"/>
+              </a:lnSpc>
+            </a:pPr>
+            <a:r>
+              <a:rPr lang="ko-KR" altLang="en-US" sz="2400" dirty="0"/>
+              <a:t>이런 경우를 </a:t>
+            </a:r>
+            <a:r>
+              <a:rPr lang="ko-KR" altLang="en-US" sz="2400"/>
+              <a:t>찾아내면 되겠군</a:t>
+            </a:r>
+            <a:r>
+              <a:rPr lang="en-US" altLang="ko-KR" sz="2400" dirty="0"/>
+              <a:t>!!!</a:t>
+            </a:r>
+          </a:p>
+        </p:txBody>
+      </p:sp>
+      <p:sp>
+        <p:nvSpPr>
+          <p:cNvPr id="6" name="TextBox 5">
+            <a:extLst>
+              <a:ext uri="{FF2B5EF4-FFF2-40B4-BE49-F238E27FC236}">
+                <a16:creationId xmlns:a16="http://schemas.microsoft.com/office/drawing/2014/main" id="{A064A5F8-B041-40CE-8A2A-3CC4D9E7FA80}"/>
+              </a:ext>
+            </a:extLst>
+          </p:cNvPr>
+          <p:cNvSpPr txBox="1"/>
+          <p:nvPr/>
+        </p:nvSpPr>
+        <p:spPr>
+          <a:xfrm>
+            <a:off x="1125071" y="802338"/>
+            <a:ext cx="6970058" cy="584775"/>
+          </a:xfrm>
+          <a:prstGeom prst="rect">
+            <a:avLst/>
+          </a:prstGeom>
+          <a:noFill/>
+        </p:spPr>
+        <p:txBody>
+          <a:bodyPr wrap="square" rtlCol="0">
+            <a:spAutoFit/>
+          </a:bodyPr>
+          <a:lstStyle/>
+          <a:p>
+            <a:pPr algn="ctr"/>
+            <a:r>
+              <a:rPr lang="ko-KR" altLang="en-US" sz="3200" dirty="0">
+                <a:latin typeface="맑은 고딕" panose="020B0503020000020004" pitchFamily="50" charset="-127"/>
+                <a:ea typeface="맑은 고딕" panose="020B0503020000020004" pitchFamily="50" charset="-127"/>
+              </a:rPr>
+              <a:t>그렇다면 우리가 할 일은</a:t>
+            </a:r>
+            <a:r>
+              <a:rPr lang="en-US" altLang="ko-KR" sz="3200" dirty="0">
+                <a:latin typeface="맑은 고딕" panose="020B0503020000020004" pitchFamily="50" charset="-127"/>
+                <a:ea typeface="맑은 고딕" panose="020B0503020000020004" pitchFamily="50" charset="-127"/>
+              </a:rPr>
+              <a:t>?</a:t>
+            </a:r>
+          </a:p>
+        </p:txBody>
+      </p:sp>
+    </p:spTree>
+    <p:extLst>
+      <p:ext uri="{BB962C8B-B14F-4D97-AF65-F5344CB8AC3E}">
+        <p14:creationId xmlns:p14="http://schemas.microsoft.com/office/powerpoint/2010/main" val="3568092928"/>
+      </p:ext>
+    </p:extLst>
+  </p:cSld>
+  <p:clrMapOvr>
+    <a:masterClrMapping/>
+  </p:clrMapOvr>
+  <p:timing>
+    <p:tnLst>
+      <p:par>
+        <p:cTn id="1" dur="indefinite" restart="never" nodeType="tmRoot">
+          <p:childTnLst>
+            <p:seq concurrent="1" nextAc="seek">
+              <p:cTn id="2" dur="indefinite" nodeType="mainSeq">
+                <p:childTnLst>
+                  <p:par>
+                    <p:cTn id="3" fill="hold">
+                      <p:stCondLst>
+                        <p:cond delay="indefinite"/>
+                      </p:stCondLst>
+                      <p:childTnLst>
+                        <p:par>
+                          <p:cTn id="4" fill="hold">
+                            <p:stCondLst>
+                              <p:cond delay="0"/>
+                            </p:stCondLst>
+                            <p:childTnLst>
+                              <p:par>
+                                <p:cTn id="5" presetID="1" presetClass="entr" presetSubtype="0" fill="hold" nodeType="clickEffect">
+                                  <p:stCondLst>
+                                    <p:cond delay="0"/>
+                                  </p:stCondLst>
+                                  <p:childTnLst>
+                                    <p:set>
+                                      <p:cBhvr>
+                                        <p:cTn id="6" dur="1" fill="hold">
+                                          <p:stCondLst>
+                                            <p:cond delay="0"/>
+                                          </p:stCondLst>
+                                        </p:cTn>
+                                        <p:tgtEl>
+                                          <p:spTgt spid="4"/>
+                                        </p:tgtEl>
+                                        <p:attrNameLst>
+                                          <p:attrName>style.visibility</p:attrName>
+                                        </p:attrNameLst>
+                                      </p:cBhvr>
+                                      <p:to>
+                                        <p:strVal val="visible"/>
+                                      </p:to>
+                                    </p:set>
+                                  </p:childTnLst>
+                                </p:cTn>
+                              </p:par>
+                              <p:par>
+                                <p:cTn id="7" presetID="1" presetClass="entr" presetSubtype="0" fill="hold" grpId="0" nodeType="withEffect">
+                                  <p:stCondLst>
+                                    <p:cond delay="0"/>
+                                  </p:stCondLst>
+                                  <p:childTnLst>
+                                    <p:set>
+                                      <p:cBhvr>
+                                        <p:cTn id="8" dur="1" fill="hold">
+                                          <p:stCondLst>
+                                            <p:cond delay="0"/>
+                                          </p:stCondLst>
+                                        </p:cTn>
+                                        <p:tgtEl>
+                                          <p:spTgt spid="5"/>
+                                        </p:tgtEl>
+                                        <p:attrNameLst>
+                                          <p:attrName>style.visibility</p:attrName>
+                                        </p:attrNameLst>
+                                      </p:cBhvr>
+                                      <p:to>
+                                        <p:strVal val="visible"/>
+                                      </p:to>
+                                    </p:set>
+                                  </p:childTnLst>
+                                </p:cTn>
+                              </p:par>
+                            </p:childTnLst>
+                          </p:cTn>
+                        </p:par>
+                      </p:childTnLst>
+                    </p:cTn>
+                  </p:par>
+                </p:childTnLst>
+              </p:cTn>
+              <p:prevCondLst>
+                <p:cond evt="onPrev" delay="0">
+                  <p:tgtEl>
+                    <p:sldTgt/>
+                  </p:tgtEl>
+                </p:cond>
+              </p:prevCondLst>
+              <p:nextCondLst>
+                <p:cond evt="onNext" delay="0">
+                  <p:tgtEl>
+                    <p:sldTgt/>
+                  </p:tgtEl>
+                </p:cond>
+              </p:nextCondLst>
+            </p:seq>
+          </p:childTnLst>
+        </p:cTn>
+      </p:par>
+    </p:tnLst>
+    <p:bldLst>
+      <p:bldP spid="5" grpId="0"/>
+    </p:bldLst>
+  </p:timing>
+</p:sld>
+</file>
+
 <file path=ppt/slides/slide2.xml><?xml version="1.0" encoding="utf-8"?>
 <p:sld xmlns:a="http://schemas.openxmlformats.org/drawingml/2006/main" xmlns:r="http://schemas.openxmlformats.org/officeDocument/2006/relationships" xmlns:p="http://schemas.openxmlformats.org/presentationml/2006/main">
   <p:cSld>
@@ -10231,7 +10493,7 @@
         <p:spPr>
           <a:xfrm>
             <a:off x="4622930" y="3647235"/>
-            <a:ext cx="4489693" cy="2585323"/>
+            <a:ext cx="4489693" cy="2169825"/>
           </a:xfrm>
           <a:prstGeom prst="rect">
             <a:avLst/>
@@ -10317,12 +10579,36 @@
               <a:t>.</a:t>
             </a:r>
           </a:p>
-          <a:p>
-            <a:pPr>
-              <a:lnSpc>
-                <a:spcPct val="150000"/>
-              </a:lnSpc>
-            </a:pPr>
+        </p:txBody>
+      </p:sp>
+      <p:sp>
+        <p:nvSpPr>
+          <p:cNvPr id="2" name="TextBox 1">
+            <a:extLst>
+              <a:ext uri="{FF2B5EF4-FFF2-40B4-BE49-F238E27FC236}">
+                <a16:creationId xmlns:a16="http://schemas.microsoft.com/office/drawing/2014/main" id="{5621FE6A-40FD-443A-A963-6F99239A4F95}"/>
+              </a:ext>
+            </a:extLst>
+          </p:cNvPr>
+          <p:cNvSpPr txBox="1"/>
+          <p:nvPr/>
+        </p:nvSpPr>
+        <p:spPr>
+          <a:xfrm>
+            <a:off x="4622931" y="6046694"/>
+            <a:ext cx="3996634" cy="369332"/>
+          </a:xfrm>
+          <a:prstGeom prst="rect">
+            <a:avLst/>
+          </a:prstGeom>
+          <a:noFill/>
+        </p:spPr>
+        <p:txBody>
+          <a:bodyPr wrap="square" rtlCol="0">
+            <a:spAutoFit/>
+          </a:bodyPr>
+          <a:lstStyle/>
+          <a:p>
             <a:r>
               <a:rPr lang="ko-KR" altLang="en-US" dirty="0"/>
               <a:t>→ 작업들을 </a:t>
@@ -10351,6 +10637,3709 @@
     <p:extLst>
       <p:ext uri="{BB962C8B-B14F-4D97-AF65-F5344CB8AC3E}">
         <p14:creationId xmlns:p14="http://schemas.microsoft.com/office/powerpoint/2010/main" val="917436478"/>
+      </p:ext>
+    </p:extLst>
+  </p:cSld>
+  <p:clrMapOvr>
+    <a:masterClrMapping/>
+  </p:clrMapOvr>
+  <p:timing>
+    <p:tnLst>
+      <p:par>
+        <p:cTn id="1" dur="indefinite" restart="never" nodeType="tmRoot">
+          <p:childTnLst>
+            <p:seq concurrent="1" nextAc="seek">
+              <p:cTn id="2" dur="indefinite" nodeType="mainSeq">
+                <p:childTnLst>
+                  <p:par>
+                    <p:cTn id="3" fill="hold">
+                      <p:stCondLst>
+                        <p:cond delay="indefinite"/>
+                      </p:stCondLst>
+                      <p:childTnLst>
+                        <p:par>
+                          <p:cTn id="4" fill="hold">
+                            <p:stCondLst>
+                              <p:cond delay="0"/>
+                            </p:stCondLst>
+                            <p:childTnLst>
+                              <p:par>
+                                <p:cTn id="5" presetID="1" presetClass="entr" presetSubtype="0" fill="hold" grpId="0" nodeType="clickEffect">
+                                  <p:stCondLst>
+                                    <p:cond delay="0"/>
+                                  </p:stCondLst>
+                                  <p:childTnLst>
+                                    <p:set>
+                                      <p:cBhvr>
+                                        <p:cTn id="6" dur="1" fill="hold">
+                                          <p:stCondLst>
+                                            <p:cond delay="0"/>
+                                          </p:stCondLst>
+                                        </p:cTn>
+                                        <p:tgtEl>
+                                          <p:spTgt spid="2"/>
+                                        </p:tgtEl>
+                                        <p:attrNameLst>
+                                          <p:attrName>style.visibility</p:attrName>
+                                        </p:attrNameLst>
+                                      </p:cBhvr>
+                                      <p:to>
+                                        <p:strVal val="visible"/>
+                                      </p:to>
+                                    </p:set>
+                                  </p:childTnLst>
+                                </p:cTn>
+                              </p:par>
+                            </p:childTnLst>
+                          </p:cTn>
+                        </p:par>
+                      </p:childTnLst>
+                    </p:cTn>
+                  </p:par>
+                </p:childTnLst>
+              </p:cTn>
+              <p:prevCondLst>
+                <p:cond evt="onPrev" delay="0">
+                  <p:tgtEl>
+                    <p:sldTgt/>
+                  </p:tgtEl>
+                </p:cond>
+              </p:prevCondLst>
+              <p:nextCondLst>
+                <p:cond evt="onNext" delay="0">
+                  <p:tgtEl>
+                    <p:sldTgt/>
+                  </p:tgtEl>
+                </p:cond>
+              </p:nextCondLst>
+            </p:seq>
+          </p:childTnLst>
+        </p:cTn>
+      </p:par>
+    </p:tnLst>
+    <p:bldLst>
+      <p:bldP spid="2" grpId="0"/>
+    </p:bldLst>
+  </p:timing>
+</p:sld>
+</file>
+
+<file path=ppt/slides/slide20.xml><?xml version="1.0" encoding="utf-8"?>
+<p:sld xmlns:a="http://schemas.openxmlformats.org/drawingml/2006/main" xmlns:r="http://schemas.openxmlformats.org/officeDocument/2006/relationships" xmlns:p="http://schemas.openxmlformats.org/presentationml/2006/main">
+  <p:cSld>
+    <p:spTree>
+      <p:nvGrpSpPr>
+        <p:cNvPr id="1" name=""/>
+        <p:cNvGrpSpPr/>
+        <p:nvPr/>
+      </p:nvGrpSpPr>
+      <p:grpSpPr>
+        <a:xfrm>
+          <a:off x="0" y="0"/>
+          <a:ext cx="0" cy="0"/>
+          <a:chOff x="0" y="0"/>
+          <a:chExt cx="0" cy="0"/>
+        </a:xfrm>
+      </p:grpSpPr>
+      <p:sp>
+        <p:nvSpPr>
+          <p:cNvPr id="4" name="TextBox 3">
+            <a:extLst>
+              <a:ext uri="{FF2B5EF4-FFF2-40B4-BE49-F238E27FC236}">
+                <a16:creationId xmlns:a16="http://schemas.microsoft.com/office/drawing/2014/main" id="{7596C6FE-2703-457B-A352-CE8919F5838C}"/>
+              </a:ext>
+            </a:extLst>
+          </p:cNvPr>
+          <p:cNvSpPr txBox="1"/>
+          <p:nvPr/>
+        </p:nvSpPr>
+        <p:spPr>
+          <a:xfrm>
+            <a:off x="1084731" y="3124198"/>
+            <a:ext cx="6970058" cy="584775"/>
+          </a:xfrm>
+          <a:prstGeom prst="rect">
+            <a:avLst/>
+          </a:prstGeom>
+          <a:noFill/>
+        </p:spPr>
+        <p:txBody>
+          <a:bodyPr wrap="square" rtlCol="0">
+            <a:spAutoFit/>
+          </a:bodyPr>
+          <a:lstStyle/>
+          <a:p>
+            <a:pPr algn="ctr"/>
+            <a:r>
+              <a:rPr lang="ko-KR" altLang="en-US" sz="3200" dirty="0">
+                <a:latin typeface="맑은 고딕" panose="020B0503020000020004" pitchFamily="50" charset="-127"/>
+                <a:ea typeface="맑은 고딕" panose="020B0503020000020004" pitchFamily="50" charset="-127"/>
+              </a:rPr>
+              <a:t>좀 더 구체적으로 말하자면</a:t>
+            </a:r>
+            <a:r>
+              <a:rPr lang="en-US" altLang="ko-KR" sz="3200" dirty="0">
+                <a:latin typeface="맑은 고딕" panose="020B0503020000020004" pitchFamily="50" charset="-127"/>
+                <a:ea typeface="맑은 고딕" panose="020B0503020000020004" pitchFamily="50" charset="-127"/>
+              </a:rPr>
+              <a:t>,</a:t>
+            </a:r>
+          </a:p>
+        </p:txBody>
+      </p:sp>
+    </p:spTree>
+    <p:extLst>
+      <p:ext uri="{BB962C8B-B14F-4D97-AF65-F5344CB8AC3E}">
+        <p14:creationId xmlns:p14="http://schemas.microsoft.com/office/powerpoint/2010/main" val="1931022500"/>
+      </p:ext>
+    </p:extLst>
+  </p:cSld>
+  <p:clrMapOvr>
+    <a:masterClrMapping/>
+  </p:clrMapOvr>
+</p:sld>
+</file>
+
+<file path=ppt/slides/slide21.xml><?xml version="1.0" encoding="utf-8"?>
+<p:sld xmlns:a="http://schemas.openxmlformats.org/drawingml/2006/main" xmlns:r="http://schemas.openxmlformats.org/officeDocument/2006/relationships" xmlns:p="http://schemas.openxmlformats.org/presentationml/2006/main">
+  <p:cSld>
+    <p:spTree>
+      <p:nvGrpSpPr>
+        <p:cNvPr id="1" name=""/>
+        <p:cNvGrpSpPr/>
+        <p:nvPr/>
+      </p:nvGrpSpPr>
+      <p:grpSpPr>
+        <a:xfrm>
+          <a:off x="0" y="0"/>
+          <a:ext cx="0" cy="0"/>
+          <a:chOff x="0" y="0"/>
+          <a:chExt cx="0" cy="0"/>
+        </a:xfrm>
+      </p:grpSpPr>
+      <p:sp>
+        <p:nvSpPr>
+          <p:cNvPr id="4" name="자유형: 도형 3">
+            <a:extLst>
+              <a:ext uri="{FF2B5EF4-FFF2-40B4-BE49-F238E27FC236}">
+                <a16:creationId xmlns:a16="http://schemas.microsoft.com/office/drawing/2014/main" id="{90AFF5F1-F8F4-45F7-9348-E93F69D1B909}"/>
+              </a:ext>
+            </a:extLst>
+          </p:cNvPr>
+          <p:cNvSpPr/>
+          <p:nvPr/>
+        </p:nvSpPr>
+        <p:spPr>
+          <a:xfrm>
+            <a:off x="672353" y="466164"/>
+            <a:ext cx="2326341" cy="1192306"/>
+          </a:xfrm>
+          <a:custGeom>
+            <a:avLst/>
+            <a:gdLst>
+              <a:gd name="connsiteX0" fmla="*/ 1411941 w 2326341"/>
+              <a:gd name="connsiteY0" fmla="*/ 0 h 1192306"/>
+              <a:gd name="connsiteX1" fmla="*/ 0 w 2326341"/>
+              <a:gd name="connsiteY1" fmla="*/ 1192306 h 1192306"/>
+              <a:gd name="connsiteX2" fmla="*/ 2326341 w 2326341"/>
+              <a:gd name="connsiteY2" fmla="*/ 815788 h 1192306"/>
+              <a:gd name="connsiteX3" fmla="*/ 1411941 w 2326341"/>
+              <a:gd name="connsiteY3" fmla="*/ 0 h 1192306"/>
+            </a:gdLst>
+            <a:ahLst/>
+            <a:cxnLst>
+              <a:cxn ang="0">
+                <a:pos x="connsiteX0" y="connsiteY0"/>
+              </a:cxn>
+              <a:cxn ang="0">
+                <a:pos x="connsiteX1" y="connsiteY1"/>
+              </a:cxn>
+              <a:cxn ang="0">
+                <a:pos x="connsiteX2" y="connsiteY2"/>
+              </a:cxn>
+              <a:cxn ang="0">
+                <a:pos x="connsiteX3" y="connsiteY3"/>
+              </a:cxn>
+            </a:cxnLst>
+            <a:rect l="l" t="t" r="r" b="b"/>
+            <a:pathLst>
+              <a:path w="2326341" h="1192306">
+                <a:moveTo>
+                  <a:pt x="1411941" y="0"/>
+                </a:moveTo>
+                <a:lnTo>
+                  <a:pt x="0" y="1192306"/>
+                </a:lnTo>
+                <a:lnTo>
+                  <a:pt x="2326341" y="815788"/>
+                </a:lnTo>
+                <a:lnTo>
+                  <a:pt x="1411941" y="0"/>
+                </a:lnTo>
+                <a:close/>
+              </a:path>
+            </a:pathLst>
+          </a:custGeom>
+          <a:solidFill>
+            <a:schemeClr val="accent1">
+              <a:alpha val="70000"/>
+            </a:schemeClr>
+          </a:solidFill>
+        </p:spPr>
+        <p:style>
+          <a:lnRef idx="2">
+            <a:schemeClr val="accent1">
+              <a:shade val="50000"/>
+            </a:schemeClr>
+          </a:lnRef>
+          <a:fillRef idx="1">
+            <a:schemeClr val="accent1"/>
+          </a:fillRef>
+          <a:effectRef idx="0">
+            <a:schemeClr val="accent1"/>
+          </a:effectRef>
+          <a:fontRef idx="minor">
+            <a:schemeClr val="lt1"/>
+          </a:fontRef>
+        </p:style>
+        <p:txBody>
+          <a:bodyPr rtlCol="0" anchor="ctr"/>
+          <a:lstStyle/>
+          <a:p>
+            <a:pPr algn="ctr"/>
+            <a:endParaRPr lang="ko-KR" altLang="en-US"/>
+          </a:p>
+        </p:txBody>
+      </p:sp>
+      <p:sp>
+        <p:nvSpPr>
+          <p:cNvPr id="5" name="TextBox 4">
+            <a:extLst>
+              <a:ext uri="{FF2B5EF4-FFF2-40B4-BE49-F238E27FC236}">
+                <a16:creationId xmlns:a16="http://schemas.microsoft.com/office/drawing/2014/main" id="{D8BF08B8-3A42-47F1-B6C4-59CAECD6FE5A}"/>
+              </a:ext>
+            </a:extLst>
+          </p:cNvPr>
+          <p:cNvSpPr txBox="1"/>
+          <p:nvPr/>
+        </p:nvSpPr>
+        <p:spPr>
+          <a:xfrm>
+            <a:off x="203947" y="1658470"/>
+            <a:ext cx="936812" cy="369332"/>
+          </a:xfrm>
+          <a:prstGeom prst="rect">
+            <a:avLst/>
+          </a:prstGeom>
+          <a:noFill/>
+        </p:spPr>
+        <p:txBody>
+          <a:bodyPr wrap="square" rtlCol="0">
+            <a:spAutoFit/>
+          </a:bodyPr>
+          <a:lstStyle/>
+          <a:p>
+            <a:pPr algn="ctr"/>
+            <a:r>
+              <a:rPr lang="en-US" altLang="ko-KR" dirty="0"/>
+              <a:t>vertex 0</a:t>
+            </a:r>
+            <a:endParaRPr lang="ko-KR" altLang="en-US" dirty="0"/>
+          </a:p>
+        </p:txBody>
+      </p:sp>
+      <p:sp>
+        <p:nvSpPr>
+          <p:cNvPr id="6" name="TextBox 5">
+            <a:extLst>
+              <a:ext uri="{FF2B5EF4-FFF2-40B4-BE49-F238E27FC236}">
+                <a16:creationId xmlns:a16="http://schemas.microsoft.com/office/drawing/2014/main" id="{A5393DA8-7BE6-45FD-9AE8-F72450FC92C4}"/>
+              </a:ext>
+            </a:extLst>
+          </p:cNvPr>
+          <p:cNvSpPr txBox="1"/>
+          <p:nvPr/>
+        </p:nvSpPr>
+        <p:spPr>
+          <a:xfrm>
+            <a:off x="2678206" y="1289138"/>
+            <a:ext cx="936812" cy="369332"/>
+          </a:xfrm>
+          <a:prstGeom prst="rect">
+            <a:avLst/>
+          </a:prstGeom>
+          <a:noFill/>
+        </p:spPr>
+        <p:txBody>
+          <a:bodyPr wrap="square" rtlCol="0">
+            <a:spAutoFit/>
+          </a:bodyPr>
+          <a:lstStyle/>
+          <a:p>
+            <a:pPr algn="ctr"/>
+            <a:r>
+              <a:rPr lang="en-US" altLang="ko-KR" dirty="0"/>
+              <a:t>vertex 1</a:t>
+            </a:r>
+            <a:endParaRPr lang="ko-KR" altLang="en-US" dirty="0"/>
+          </a:p>
+        </p:txBody>
+      </p:sp>
+      <p:sp>
+        <p:nvSpPr>
+          <p:cNvPr id="7" name="TextBox 6">
+            <a:extLst>
+              <a:ext uri="{FF2B5EF4-FFF2-40B4-BE49-F238E27FC236}">
+                <a16:creationId xmlns:a16="http://schemas.microsoft.com/office/drawing/2014/main" id="{E7197138-EA9A-4623-91F7-2B17896FAF98}"/>
+              </a:ext>
+            </a:extLst>
+          </p:cNvPr>
+          <p:cNvSpPr txBox="1"/>
+          <p:nvPr/>
+        </p:nvSpPr>
+        <p:spPr>
+          <a:xfrm>
+            <a:off x="1638300" y="96832"/>
+            <a:ext cx="936812" cy="369332"/>
+          </a:xfrm>
+          <a:prstGeom prst="rect">
+            <a:avLst/>
+          </a:prstGeom>
+          <a:noFill/>
+        </p:spPr>
+        <p:txBody>
+          <a:bodyPr wrap="square" rtlCol="0">
+            <a:spAutoFit/>
+          </a:bodyPr>
+          <a:lstStyle/>
+          <a:p>
+            <a:pPr algn="ctr"/>
+            <a:r>
+              <a:rPr lang="en-US" altLang="ko-KR" dirty="0"/>
+              <a:t>vertex 2</a:t>
+            </a:r>
+            <a:endParaRPr lang="ko-KR" altLang="en-US" dirty="0"/>
+          </a:p>
+        </p:txBody>
+      </p:sp>
+      <p:sp>
+        <p:nvSpPr>
+          <p:cNvPr id="8" name="자유형: 도형 7">
+            <a:extLst>
+              <a:ext uri="{FF2B5EF4-FFF2-40B4-BE49-F238E27FC236}">
+                <a16:creationId xmlns:a16="http://schemas.microsoft.com/office/drawing/2014/main" id="{BB7A4626-73F7-4B84-9CE7-67622F8D14F8}"/>
+              </a:ext>
+            </a:extLst>
+          </p:cNvPr>
+          <p:cNvSpPr/>
+          <p:nvPr/>
+        </p:nvSpPr>
+        <p:spPr>
+          <a:xfrm>
+            <a:off x="6042211" y="2855258"/>
+            <a:ext cx="2326341" cy="1192306"/>
+          </a:xfrm>
+          <a:custGeom>
+            <a:avLst/>
+            <a:gdLst>
+              <a:gd name="connsiteX0" fmla="*/ 1411941 w 2326341"/>
+              <a:gd name="connsiteY0" fmla="*/ 0 h 1192306"/>
+              <a:gd name="connsiteX1" fmla="*/ 0 w 2326341"/>
+              <a:gd name="connsiteY1" fmla="*/ 1192306 h 1192306"/>
+              <a:gd name="connsiteX2" fmla="*/ 2326341 w 2326341"/>
+              <a:gd name="connsiteY2" fmla="*/ 815788 h 1192306"/>
+              <a:gd name="connsiteX3" fmla="*/ 1411941 w 2326341"/>
+              <a:gd name="connsiteY3" fmla="*/ 0 h 1192306"/>
+            </a:gdLst>
+            <a:ahLst/>
+            <a:cxnLst>
+              <a:cxn ang="0">
+                <a:pos x="connsiteX0" y="connsiteY0"/>
+              </a:cxn>
+              <a:cxn ang="0">
+                <a:pos x="connsiteX1" y="connsiteY1"/>
+              </a:cxn>
+              <a:cxn ang="0">
+                <a:pos x="connsiteX2" y="connsiteY2"/>
+              </a:cxn>
+              <a:cxn ang="0">
+                <a:pos x="connsiteX3" y="connsiteY3"/>
+              </a:cxn>
+            </a:cxnLst>
+            <a:rect l="l" t="t" r="r" b="b"/>
+            <a:pathLst>
+              <a:path w="2326341" h="1192306">
+                <a:moveTo>
+                  <a:pt x="1411941" y="0"/>
+                </a:moveTo>
+                <a:lnTo>
+                  <a:pt x="0" y="1192306"/>
+                </a:lnTo>
+                <a:lnTo>
+                  <a:pt x="2326341" y="815788"/>
+                </a:lnTo>
+                <a:lnTo>
+                  <a:pt x="1411941" y="0"/>
+                </a:lnTo>
+                <a:close/>
+              </a:path>
+            </a:pathLst>
+          </a:custGeom>
+          <a:solidFill>
+            <a:schemeClr val="accent1">
+              <a:alpha val="70000"/>
+            </a:schemeClr>
+          </a:solidFill>
+        </p:spPr>
+        <p:style>
+          <a:lnRef idx="2">
+            <a:schemeClr val="accent1">
+              <a:shade val="50000"/>
+            </a:schemeClr>
+          </a:lnRef>
+          <a:fillRef idx="1">
+            <a:schemeClr val="accent1"/>
+          </a:fillRef>
+          <a:effectRef idx="0">
+            <a:schemeClr val="accent1"/>
+          </a:effectRef>
+          <a:fontRef idx="minor">
+            <a:schemeClr val="lt1"/>
+          </a:fontRef>
+        </p:style>
+        <p:txBody>
+          <a:bodyPr rtlCol="0" anchor="ctr"/>
+          <a:lstStyle/>
+          <a:p>
+            <a:pPr algn="ctr"/>
+            <a:endParaRPr lang="ko-KR" altLang="en-US"/>
+          </a:p>
+        </p:txBody>
+      </p:sp>
+      <p:sp>
+        <p:nvSpPr>
+          <p:cNvPr id="12" name="자유형: 도형 11">
+            <a:extLst>
+              <a:ext uri="{FF2B5EF4-FFF2-40B4-BE49-F238E27FC236}">
+                <a16:creationId xmlns:a16="http://schemas.microsoft.com/office/drawing/2014/main" id="{EA0C8052-DA13-4B19-AB6B-AFDD1EDE1CCD}"/>
+              </a:ext>
+            </a:extLst>
+          </p:cNvPr>
+          <p:cNvSpPr/>
+          <p:nvPr/>
+        </p:nvSpPr>
+        <p:spPr>
+          <a:xfrm>
+            <a:off x="672353" y="5296362"/>
+            <a:ext cx="2326341" cy="1192306"/>
+          </a:xfrm>
+          <a:custGeom>
+            <a:avLst/>
+            <a:gdLst>
+              <a:gd name="connsiteX0" fmla="*/ 1411941 w 2326341"/>
+              <a:gd name="connsiteY0" fmla="*/ 0 h 1192306"/>
+              <a:gd name="connsiteX1" fmla="*/ 0 w 2326341"/>
+              <a:gd name="connsiteY1" fmla="*/ 1192306 h 1192306"/>
+              <a:gd name="connsiteX2" fmla="*/ 2326341 w 2326341"/>
+              <a:gd name="connsiteY2" fmla="*/ 815788 h 1192306"/>
+              <a:gd name="connsiteX3" fmla="*/ 1411941 w 2326341"/>
+              <a:gd name="connsiteY3" fmla="*/ 0 h 1192306"/>
+            </a:gdLst>
+            <a:ahLst/>
+            <a:cxnLst>
+              <a:cxn ang="0">
+                <a:pos x="connsiteX0" y="connsiteY0"/>
+              </a:cxn>
+              <a:cxn ang="0">
+                <a:pos x="connsiteX1" y="connsiteY1"/>
+              </a:cxn>
+              <a:cxn ang="0">
+                <a:pos x="connsiteX2" y="connsiteY2"/>
+              </a:cxn>
+              <a:cxn ang="0">
+                <a:pos x="connsiteX3" y="connsiteY3"/>
+              </a:cxn>
+            </a:cxnLst>
+            <a:rect l="l" t="t" r="r" b="b"/>
+            <a:pathLst>
+              <a:path w="2326341" h="1192306">
+                <a:moveTo>
+                  <a:pt x="1411941" y="0"/>
+                </a:moveTo>
+                <a:lnTo>
+                  <a:pt x="0" y="1192306"/>
+                </a:lnTo>
+                <a:lnTo>
+                  <a:pt x="2326341" y="815788"/>
+                </a:lnTo>
+                <a:lnTo>
+                  <a:pt x="1411941" y="0"/>
+                </a:lnTo>
+                <a:close/>
+              </a:path>
+            </a:pathLst>
+          </a:custGeom>
+          <a:solidFill>
+            <a:schemeClr val="accent1">
+              <a:alpha val="70000"/>
+            </a:schemeClr>
+          </a:solidFill>
+        </p:spPr>
+        <p:style>
+          <a:lnRef idx="2">
+            <a:schemeClr val="accent1">
+              <a:shade val="50000"/>
+            </a:schemeClr>
+          </a:lnRef>
+          <a:fillRef idx="1">
+            <a:schemeClr val="accent1"/>
+          </a:fillRef>
+          <a:effectRef idx="0">
+            <a:schemeClr val="accent1"/>
+          </a:effectRef>
+          <a:fontRef idx="minor">
+            <a:schemeClr val="lt1"/>
+          </a:fontRef>
+        </p:style>
+        <p:txBody>
+          <a:bodyPr rtlCol="0" anchor="ctr"/>
+          <a:lstStyle/>
+          <a:p>
+            <a:pPr algn="ctr"/>
+            <a:endParaRPr lang="ko-KR" altLang="en-US"/>
+          </a:p>
+        </p:txBody>
+      </p:sp>
+      <p:sp>
+        <p:nvSpPr>
+          <p:cNvPr id="13" name="TextBox 12">
+            <a:extLst>
+              <a:ext uri="{FF2B5EF4-FFF2-40B4-BE49-F238E27FC236}">
+                <a16:creationId xmlns:a16="http://schemas.microsoft.com/office/drawing/2014/main" id="{5CE23821-1012-4036-98FA-EA63755ABCA0}"/>
+              </a:ext>
+            </a:extLst>
+          </p:cNvPr>
+          <p:cNvSpPr txBox="1"/>
+          <p:nvPr/>
+        </p:nvSpPr>
+        <p:spPr>
+          <a:xfrm>
+            <a:off x="203947" y="6488668"/>
+            <a:ext cx="936812" cy="369332"/>
+          </a:xfrm>
+          <a:prstGeom prst="rect">
+            <a:avLst/>
+          </a:prstGeom>
+          <a:noFill/>
+        </p:spPr>
+        <p:txBody>
+          <a:bodyPr wrap="square" rtlCol="0">
+            <a:spAutoFit/>
+          </a:bodyPr>
+          <a:lstStyle/>
+          <a:p>
+            <a:pPr algn="ctr"/>
+            <a:r>
+              <a:rPr lang="en-US" altLang="ko-KR" dirty="0"/>
+              <a:t>vertex 0</a:t>
+            </a:r>
+            <a:endParaRPr lang="ko-KR" altLang="en-US" dirty="0"/>
+          </a:p>
+        </p:txBody>
+      </p:sp>
+      <p:sp>
+        <p:nvSpPr>
+          <p:cNvPr id="14" name="TextBox 13">
+            <a:extLst>
+              <a:ext uri="{FF2B5EF4-FFF2-40B4-BE49-F238E27FC236}">
+                <a16:creationId xmlns:a16="http://schemas.microsoft.com/office/drawing/2014/main" id="{85660112-25A7-4BE2-B3D3-1D806F1C1A26}"/>
+              </a:ext>
+            </a:extLst>
+          </p:cNvPr>
+          <p:cNvSpPr txBox="1"/>
+          <p:nvPr/>
+        </p:nvSpPr>
+        <p:spPr>
+          <a:xfrm>
+            <a:off x="2678206" y="6119336"/>
+            <a:ext cx="936812" cy="369332"/>
+          </a:xfrm>
+          <a:prstGeom prst="rect">
+            <a:avLst/>
+          </a:prstGeom>
+          <a:noFill/>
+        </p:spPr>
+        <p:txBody>
+          <a:bodyPr wrap="square" rtlCol="0">
+            <a:spAutoFit/>
+          </a:bodyPr>
+          <a:lstStyle/>
+          <a:p>
+            <a:pPr algn="ctr"/>
+            <a:r>
+              <a:rPr lang="en-US" altLang="ko-KR" dirty="0"/>
+              <a:t>vertex 1</a:t>
+            </a:r>
+            <a:endParaRPr lang="ko-KR" altLang="en-US" dirty="0"/>
+          </a:p>
+        </p:txBody>
+      </p:sp>
+      <p:sp>
+        <p:nvSpPr>
+          <p:cNvPr id="15" name="TextBox 14">
+            <a:extLst>
+              <a:ext uri="{FF2B5EF4-FFF2-40B4-BE49-F238E27FC236}">
+                <a16:creationId xmlns:a16="http://schemas.microsoft.com/office/drawing/2014/main" id="{55281E06-CCAB-41CA-8DFE-E43F0ADEBF9C}"/>
+              </a:ext>
+            </a:extLst>
+          </p:cNvPr>
+          <p:cNvSpPr txBox="1"/>
+          <p:nvPr/>
+        </p:nvSpPr>
+        <p:spPr>
+          <a:xfrm>
+            <a:off x="1638300" y="4927030"/>
+            <a:ext cx="936812" cy="369332"/>
+          </a:xfrm>
+          <a:prstGeom prst="rect">
+            <a:avLst/>
+          </a:prstGeom>
+          <a:noFill/>
+        </p:spPr>
+        <p:txBody>
+          <a:bodyPr wrap="square" rtlCol="0">
+            <a:spAutoFit/>
+          </a:bodyPr>
+          <a:lstStyle/>
+          <a:p>
+            <a:pPr algn="ctr"/>
+            <a:r>
+              <a:rPr lang="en-US" altLang="ko-KR" dirty="0"/>
+              <a:t>vertex 2</a:t>
+            </a:r>
+            <a:endParaRPr lang="ko-KR" altLang="en-US" dirty="0"/>
+          </a:p>
+        </p:txBody>
+      </p:sp>
+      <p:sp>
+        <p:nvSpPr>
+          <p:cNvPr id="16" name="TextBox 15">
+            <a:extLst>
+              <a:ext uri="{FF2B5EF4-FFF2-40B4-BE49-F238E27FC236}">
+                <a16:creationId xmlns:a16="http://schemas.microsoft.com/office/drawing/2014/main" id="{28FBE0D4-CD21-476B-81DA-E35C968AA66D}"/>
+              </a:ext>
+            </a:extLst>
+          </p:cNvPr>
+          <p:cNvSpPr txBox="1"/>
+          <p:nvPr/>
+        </p:nvSpPr>
+        <p:spPr>
+          <a:xfrm>
+            <a:off x="3957918" y="753036"/>
+            <a:ext cx="2173941" cy="369332"/>
+          </a:xfrm>
+          <a:prstGeom prst="rect">
+            <a:avLst/>
+          </a:prstGeom>
+          <a:noFill/>
+        </p:spPr>
+        <p:txBody>
+          <a:bodyPr wrap="square" rtlCol="0">
+            <a:spAutoFit/>
+          </a:bodyPr>
+          <a:lstStyle/>
+          <a:p>
+            <a:r>
+              <a:rPr lang="ko-KR" altLang="en-US" dirty="0"/>
+              <a:t>삼각형이 주어지면</a:t>
+            </a:r>
+            <a:r>
+              <a:rPr lang="en-US" altLang="ko-KR" dirty="0"/>
+              <a:t>,</a:t>
+            </a:r>
+            <a:endParaRPr lang="ko-KR" altLang="en-US" dirty="0"/>
+          </a:p>
+        </p:txBody>
+      </p:sp>
+      <p:sp>
+        <p:nvSpPr>
+          <p:cNvPr id="17" name="TextBox 16">
+            <a:extLst>
+              <a:ext uri="{FF2B5EF4-FFF2-40B4-BE49-F238E27FC236}">
+                <a16:creationId xmlns:a16="http://schemas.microsoft.com/office/drawing/2014/main" id="{5204D461-E666-437C-8FFC-DEAC4469DA21}"/>
+              </a:ext>
+            </a:extLst>
+          </p:cNvPr>
+          <p:cNvSpPr txBox="1"/>
+          <p:nvPr/>
+        </p:nvSpPr>
+        <p:spPr>
+          <a:xfrm>
+            <a:off x="1638300" y="3365392"/>
+            <a:ext cx="3888441" cy="369332"/>
+          </a:xfrm>
+          <a:prstGeom prst="rect">
+            <a:avLst/>
+          </a:prstGeom>
+          <a:noFill/>
+        </p:spPr>
+        <p:txBody>
+          <a:bodyPr wrap="square" rtlCol="0">
+            <a:spAutoFit/>
+          </a:bodyPr>
+          <a:lstStyle/>
+          <a:p>
+            <a:r>
+              <a:rPr lang="en-US" altLang="ko-KR" dirty="0"/>
+              <a:t>vertex 0</a:t>
+            </a:r>
+            <a:r>
+              <a:rPr lang="ko-KR" altLang="en-US" dirty="0"/>
+              <a:t>에서 </a:t>
+            </a:r>
+            <a:r>
+              <a:rPr lang="en-US" altLang="ko-KR" dirty="0"/>
+              <a:t>1</a:t>
+            </a:r>
+            <a:r>
+              <a:rPr lang="ko-KR" altLang="en-US" dirty="0"/>
+              <a:t>로 향하는 벡터</a:t>
+            </a:r>
+            <a:r>
+              <a:rPr lang="en-US" altLang="ko-KR" dirty="0"/>
+              <a:t>1</a:t>
+            </a:r>
+            <a:r>
+              <a:rPr lang="ko-KR" altLang="en-US" dirty="0"/>
+              <a:t>과</a:t>
+            </a:r>
+            <a:r>
+              <a:rPr lang="en-US" altLang="ko-KR" dirty="0"/>
+              <a:t>(V1),</a:t>
+            </a:r>
+            <a:endParaRPr lang="ko-KR" altLang="en-US" dirty="0"/>
+          </a:p>
+        </p:txBody>
+      </p:sp>
+      <p:cxnSp>
+        <p:nvCxnSpPr>
+          <p:cNvPr id="19" name="직선 화살표 연결선 18">
+            <a:extLst>
+              <a:ext uri="{FF2B5EF4-FFF2-40B4-BE49-F238E27FC236}">
+                <a16:creationId xmlns:a16="http://schemas.microsoft.com/office/drawing/2014/main" id="{478117C1-BC54-45EB-AF2E-A460C1B8CD8F}"/>
+              </a:ext>
+            </a:extLst>
+          </p:cNvPr>
+          <p:cNvCxnSpPr>
+            <a:stCxn id="8" idx="1"/>
+            <a:endCxn id="8" idx="2"/>
+          </p:cNvCxnSpPr>
+          <p:nvPr/>
+        </p:nvCxnSpPr>
+        <p:spPr>
+          <a:xfrm flipV="1">
+            <a:off x="6042211" y="3671046"/>
+            <a:ext cx="2326341" cy="376518"/>
+          </a:xfrm>
+          <a:prstGeom prst="straightConnector1">
+            <a:avLst/>
+          </a:prstGeom>
+          <a:ln w="25400">
+            <a:solidFill>
+              <a:srgbClr val="FF0000"/>
+            </a:solidFill>
+            <a:tailEnd type="triangle" w="med" len="lg"/>
+          </a:ln>
+        </p:spPr>
+        <p:style>
+          <a:lnRef idx="1">
+            <a:schemeClr val="accent1"/>
+          </a:lnRef>
+          <a:fillRef idx="0">
+            <a:schemeClr val="accent1"/>
+          </a:fillRef>
+          <a:effectRef idx="0">
+            <a:schemeClr val="accent1"/>
+          </a:effectRef>
+          <a:fontRef idx="minor">
+            <a:schemeClr val="tx1"/>
+          </a:fontRef>
+        </p:style>
+      </p:cxnSp>
+      <p:sp>
+        <p:nvSpPr>
+          <p:cNvPr id="20" name="TextBox 19">
+            <a:extLst>
+              <a:ext uri="{FF2B5EF4-FFF2-40B4-BE49-F238E27FC236}">
+                <a16:creationId xmlns:a16="http://schemas.microsoft.com/office/drawing/2014/main" id="{6C21E133-AB44-42B6-A02E-28154255F3FC}"/>
+              </a:ext>
+            </a:extLst>
+          </p:cNvPr>
+          <p:cNvSpPr txBox="1"/>
+          <p:nvPr/>
+        </p:nvSpPr>
+        <p:spPr>
+          <a:xfrm>
+            <a:off x="7050741" y="3862898"/>
+            <a:ext cx="452718" cy="369332"/>
+          </a:xfrm>
+          <a:prstGeom prst="rect">
+            <a:avLst/>
+          </a:prstGeom>
+          <a:noFill/>
+        </p:spPr>
+        <p:txBody>
+          <a:bodyPr wrap="square" rtlCol="0">
+            <a:spAutoFit/>
+          </a:bodyPr>
+          <a:lstStyle/>
+          <a:p>
+            <a:r>
+              <a:rPr lang="en-US" altLang="ko-KR" dirty="0"/>
+              <a:t>V1</a:t>
+            </a:r>
+            <a:endParaRPr lang="ko-KR" altLang="en-US" dirty="0"/>
+          </a:p>
+        </p:txBody>
+      </p:sp>
+      <p:cxnSp>
+        <p:nvCxnSpPr>
+          <p:cNvPr id="21" name="직선 화살표 연결선 20">
+            <a:extLst>
+              <a:ext uri="{FF2B5EF4-FFF2-40B4-BE49-F238E27FC236}">
+                <a16:creationId xmlns:a16="http://schemas.microsoft.com/office/drawing/2014/main" id="{026BBC05-4F8A-4B25-A901-6F5FED541B51}"/>
+              </a:ext>
+            </a:extLst>
+          </p:cNvPr>
+          <p:cNvCxnSpPr>
+            <a:cxnSpLocks/>
+            <a:stCxn id="13" idx="0"/>
+            <a:endCxn id="15" idx="2"/>
+          </p:cNvCxnSpPr>
+          <p:nvPr/>
+        </p:nvCxnSpPr>
+        <p:spPr>
+          <a:xfrm flipV="1">
+            <a:off x="672353" y="5296362"/>
+            <a:ext cx="1434353" cy="1192306"/>
+          </a:xfrm>
+          <a:prstGeom prst="straightConnector1">
+            <a:avLst/>
+          </a:prstGeom>
+          <a:ln w="25400">
+            <a:solidFill>
+              <a:srgbClr val="FF0000"/>
+            </a:solidFill>
+            <a:tailEnd type="triangle" w="med" len="lg"/>
+          </a:ln>
+        </p:spPr>
+        <p:style>
+          <a:lnRef idx="1">
+            <a:schemeClr val="accent1"/>
+          </a:lnRef>
+          <a:fillRef idx="0">
+            <a:schemeClr val="accent1"/>
+          </a:fillRef>
+          <a:effectRef idx="0">
+            <a:schemeClr val="accent1"/>
+          </a:effectRef>
+          <a:fontRef idx="minor">
+            <a:schemeClr val="tx1"/>
+          </a:fontRef>
+        </p:style>
+      </p:cxnSp>
+      <p:sp>
+        <p:nvSpPr>
+          <p:cNvPr id="24" name="TextBox 23">
+            <a:extLst>
+              <a:ext uri="{FF2B5EF4-FFF2-40B4-BE49-F238E27FC236}">
+                <a16:creationId xmlns:a16="http://schemas.microsoft.com/office/drawing/2014/main" id="{F099846D-7770-4D06-B988-0D5E1B11B91E}"/>
+              </a:ext>
+            </a:extLst>
+          </p:cNvPr>
+          <p:cNvSpPr txBox="1"/>
+          <p:nvPr/>
+        </p:nvSpPr>
+        <p:spPr>
+          <a:xfrm>
+            <a:off x="5560359" y="4040378"/>
+            <a:ext cx="936812" cy="369332"/>
+          </a:xfrm>
+          <a:prstGeom prst="rect">
+            <a:avLst/>
+          </a:prstGeom>
+          <a:noFill/>
+        </p:spPr>
+        <p:txBody>
+          <a:bodyPr wrap="square" rtlCol="0">
+            <a:spAutoFit/>
+          </a:bodyPr>
+          <a:lstStyle/>
+          <a:p>
+            <a:pPr algn="ctr"/>
+            <a:r>
+              <a:rPr lang="en-US" altLang="ko-KR" dirty="0"/>
+              <a:t>vertex 0</a:t>
+            </a:r>
+            <a:endParaRPr lang="ko-KR" altLang="en-US" dirty="0"/>
+          </a:p>
+        </p:txBody>
+      </p:sp>
+      <p:sp>
+        <p:nvSpPr>
+          <p:cNvPr id="25" name="TextBox 24">
+            <a:extLst>
+              <a:ext uri="{FF2B5EF4-FFF2-40B4-BE49-F238E27FC236}">
+                <a16:creationId xmlns:a16="http://schemas.microsoft.com/office/drawing/2014/main" id="{EB464C29-2102-4211-A163-5DA220D402CF}"/>
+              </a:ext>
+            </a:extLst>
+          </p:cNvPr>
+          <p:cNvSpPr txBox="1"/>
+          <p:nvPr/>
+        </p:nvSpPr>
+        <p:spPr>
+          <a:xfrm>
+            <a:off x="8034618" y="3671046"/>
+            <a:ext cx="936812" cy="369332"/>
+          </a:xfrm>
+          <a:prstGeom prst="rect">
+            <a:avLst/>
+          </a:prstGeom>
+          <a:noFill/>
+        </p:spPr>
+        <p:txBody>
+          <a:bodyPr wrap="square" rtlCol="0">
+            <a:spAutoFit/>
+          </a:bodyPr>
+          <a:lstStyle/>
+          <a:p>
+            <a:pPr algn="ctr"/>
+            <a:r>
+              <a:rPr lang="en-US" altLang="ko-KR" dirty="0"/>
+              <a:t>vertex 1</a:t>
+            </a:r>
+            <a:endParaRPr lang="ko-KR" altLang="en-US" dirty="0"/>
+          </a:p>
+        </p:txBody>
+      </p:sp>
+      <p:sp>
+        <p:nvSpPr>
+          <p:cNvPr id="26" name="TextBox 25">
+            <a:extLst>
+              <a:ext uri="{FF2B5EF4-FFF2-40B4-BE49-F238E27FC236}">
+                <a16:creationId xmlns:a16="http://schemas.microsoft.com/office/drawing/2014/main" id="{7C0775C4-331F-4240-A2DA-7F77B0AF0A9B}"/>
+              </a:ext>
+            </a:extLst>
+          </p:cNvPr>
+          <p:cNvSpPr txBox="1"/>
+          <p:nvPr/>
+        </p:nvSpPr>
+        <p:spPr>
+          <a:xfrm>
+            <a:off x="6994712" y="2478740"/>
+            <a:ext cx="936812" cy="369332"/>
+          </a:xfrm>
+          <a:prstGeom prst="rect">
+            <a:avLst/>
+          </a:prstGeom>
+          <a:noFill/>
+        </p:spPr>
+        <p:txBody>
+          <a:bodyPr wrap="square" rtlCol="0">
+            <a:spAutoFit/>
+          </a:bodyPr>
+          <a:lstStyle/>
+          <a:p>
+            <a:pPr algn="ctr"/>
+            <a:r>
+              <a:rPr lang="en-US" altLang="ko-KR" dirty="0"/>
+              <a:t>vertex 2</a:t>
+            </a:r>
+            <a:endParaRPr lang="ko-KR" altLang="en-US" dirty="0"/>
+          </a:p>
+        </p:txBody>
+      </p:sp>
+      <p:sp>
+        <p:nvSpPr>
+          <p:cNvPr id="27" name="TextBox 26">
+            <a:extLst>
+              <a:ext uri="{FF2B5EF4-FFF2-40B4-BE49-F238E27FC236}">
+                <a16:creationId xmlns:a16="http://schemas.microsoft.com/office/drawing/2014/main" id="{8F13F01E-9A68-40A9-98BB-2170040AF6AD}"/>
+              </a:ext>
+            </a:extLst>
+          </p:cNvPr>
+          <p:cNvSpPr txBox="1"/>
+          <p:nvPr/>
+        </p:nvSpPr>
+        <p:spPr>
+          <a:xfrm>
+            <a:off x="1008529" y="5523183"/>
+            <a:ext cx="452718" cy="369332"/>
+          </a:xfrm>
+          <a:prstGeom prst="rect">
+            <a:avLst/>
+          </a:prstGeom>
+          <a:noFill/>
+        </p:spPr>
+        <p:txBody>
+          <a:bodyPr wrap="square" rtlCol="0">
+            <a:spAutoFit/>
+          </a:bodyPr>
+          <a:lstStyle/>
+          <a:p>
+            <a:r>
+              <a:rPr lang="en-US" altLang="ko-KR" dirty="0"/>
+              <a:t>V2</a:t>
+            </a:r>
+            <a:endParaRPr lang="ko-KR" altLang="en-US" dirty="0"/>
+          </a:p>
+        </p:txBody>
+      </p:sp>
+      <p:sp>
+        <p:nvSpPr>
+          <p:cNvPr id="28" name="TextBox 27">
+            <a:extLst>
+              <a:ext uri="{FF2B5EF4-FFF2-40B4-BE49-F238E27FC236}">
+                <a16:creationId xmlns:a16="http://schemas.microsoft.com/office/drawing/2014/main" id="{90B35C12-3B3B-43D5-A61F-0191FE509B88}"/>
+              </a:ext>
+            </a:extLst>
+          </p:cNvPr>
+          <p:cNvSpPr txBox="1"/>
+          <p:nvPr/>
+        </p:nvSpPr>
+        <p:spPr>
+          <a:xfrm>
+            <a:off x="3957918" y="5569820"/>
+            <a:ext cx="4944035" cy="369332"/>
+          </a:xfrm>
+          <a:prstGeom prst="rect">
+            <a:avLst/>
+          </a:prstGeom>
+          <a:noFill/>
+        </p:spPr>
+        <p:txBody>
+          <a:bodyPr wrap="square" rtlCol="0">
+            <a:spAutoFit/>
+          </a:bodyPr>
+          <a:lstStyle/>
+          <a:p>
+            <a:r>
+              <a:rPr lang="en-US" altLang="ko-KR" dirty="0"/>
+              <a:t>vertex 0</a:t>
+            </a:r>
+            <a:r>
+              <a:rPr lang="ko-KR" altLang="en-US" dirty="0"/>
+              <a:t>에서 </a:t>
+            </a:r>
+            <a:r>
+              <a:rPr lang="en-US" altLang="ko-KR" dirty="0"/>
+              <a:t>2</a:t>
+            </a:r>
+            <a:r>
+              <a:rPr lang="ko-KR" altLang="en-US" dirty="0"/>
+              <a:t>로 향하는 벡터</a:t>
+            </a:r>
+            <a:r>
+              <a:rPr lang="en-US" altLang="ko-KR" dirty="0"/>
+              <a:t>2</a:t>
+            </a:r>
+            <a:r>
+              <a:rPr lang="ko-KR" altLang="en-US" dirty="0"/>
+              <a:t>를</a:t>
+            </a:r>
+            <a:r>
+              <a:rPr lang="en-US" altLang="ko-KR" dirty="0"/>
+              <a:t>(V2) </a:t>
+            </a:r>
+            <a:r>
+              <a:rPr lang="ko-KR" altLang="en-US" dirty="0"/>
+              <a:t>이용해서</a:t>
+            </a:r>
+            <a:r>
+              <a:rPr lang="en-US" altLang="ko-KR" dirty="0"/>
+              <a:t>,</a:t>
+            </a:r>
+            <a:endParaRPr lang="ko-KR" altLang="en-US" dirty="0"/>
+          </a:p>
+        </p:txBody>
+      </p:sp>
+    </p:spTree>
+    <p:extLst>
+      <p:ext uri="{BB962C8B-B14F-4D97-AF65-F5344CB8AC3E}">
+        <p14:creationId xmlns:p14="http://schemas.microsoft.com/office/powerpoint/2010/main" val="1956790605"/>
+      </p:ext>
+    </p:extLst>
+  </p:cSld>
+  <p:clrMapOvr>
+    <a:masterClrMapping/>
+  </p:clrMapOvr>
+  <p:timing>
+    <p:tnLst>
+      <p:par>
+        <p:cTn id="1" dur="indefinite" restart="never" nodeType="tmRoot">
+          <p:childTnLst>
+            <p:seq concurrent="1" nextAc="seek">
+              <p:cTn id="2" dur="indefinite" nodeType="mainSeq">
+                <p:childTnLst>
+                  <p:par>
+                    <p:cTn id="3" fill="hold">
+                      <p:stCondLst>
+                        <p:cond delay="indefinite"/>
+                      </p:stCondLst>
+                      <p:childTnLst>
+                        <p:par>
+                          <p:cTn id="4" fill="hold">
+                            <p:stCondLst>
+                              <p:cond delay="0"/>
+                            </p:stCondLst>
+                            <p:childTnLst>
+                              <p:par>
+                                <p:cTn id="5" presetID="1" presetClass="entr" presetSubtype="0" fill="hold" grpId="0" nodeType="clickEffect">
+                                  <p:stCondLst>
+                                    <p:cond delay="0"/>
+                                  </p:stCondLst>
+                                  <p:childTnLst>
+                                    <p:set>
+                                      <p:cBhvr>
+                                        <p:cTn id="6" dur="1" fill="hold">
+                                          <p:stCondLst>
+                                            <p:cond delay="0"/>
+                                          </p:stCondLst>
+                                        </p:cTn>
+                                        <p:tgtEl>
+                                          <p:spTgt spid="8"/>
+                                        </p:tgtEl>
+                                        <p:attrNameLst>
+                                          <p:attrName>style.visibility</p:attrName>
+                                        </p:attrNameLst>
+                                      </p:cBhvr>
+                                      <p:to>
+                                        <p:strVal val="visible"/>
+                                      </p:to>
+                                    </p:set>
+                                  </p:childTnLst>
+                                </p:cTn>
+                              </p:par>
+                              <p:par>
+                                <p:cTn id="7" presetID="1" presetClass="entr" presetSubtype="0" fill="hold" grpId="0" nodeType="withEffect">
+                                  <p:stCondLst>
+                                    <p:cond delay="0"/>
+                                  </p:stCondLst>
+                                  <p:childTnLst>
+                                    <p:set>
+                                      <p:cBhvr>
+                                        <p:cTn id="8" dur="1" fill="hold">
+                                          <p:stCondLst>
+                                            <p:cond delay="0"/>
+                                          </p:stCondLst>
+                                        </p:cTn>
+                                        <p:tgtEl>
+                                          <p:spTgt spid="17"/>
+                                        </p:tgtEl>
+                                        <p:attrNameLst>
+                                          <p:attrName>style.visibility</p:attrName>
+                                        </p:attrNameLst>
+                                      </p:cBhvr>
+                                      <p:to>
+                                        <p:strVal val="visible"/>
+                                      </p:to>
+                                    </p:set>
+                                  </p:childTnLst>
+                                </p:cTn>
+                              </p:par>
+                              <p:par>
+                                <p:cTn id="9" presetID="1" presetClass="entr" presetSubtype="0" fill="hold" nodeType="withEffect">
+                                  <p:stCondLst>
+                                    <p:cond delay="0"/>
+                                  </p:stCondLst>
+                                  <p:childTnLst>
+                                    <p:set>
+                                      <p:cBhvr>
+                                        <p:cTn id="10" dur="1" fill="hold">
+                                          <p:stCondLst>
+                                            <p:cond delay="0"/>
+                                          </p:stCondLst>
+                                        </p:cTn>
+                                        <p:tgtEl>
+                                          <p:spTgt spid="19"/>
+                                        </p:tgtEl>
+                                        <p:attrNameLst>
+                                          <p:attrName>style.visibility</p:attrName>
+                                        </p:attrNameLst>
+                                      </p:cBhvr>
+                                      <p:to>
+                                        <p:strVal val="visible"/>
+                                      </p:to>
+                                    </p:set>
+                                  </p:childTnLst>
+                                </p:cTn>
+                              </p:par>
+                              <p:par>
+                                <p:cTn id="11" presetID="1" presetClass="entr" presetSubtype="0" fill="hold" grpId="0" nodeType="withEffect">
+                                  <p:stCondLst>
+                                    <p:cond delay="0"/>
+                                  </p:stCondLst>
+                                  <p:childTnLst>
+                                    <p:set>
+                                      <p:cBhvr>
+                                        <p:cTn id="12" dur="1" fill="hold">
+                                          <p:stCondLst>
+                                            <p:cond delay="0"/>
+                                          </p:stCondLst>
+                                        </p:cTn>
+                                        <p:tgtEl>
+                                          <p:spTgt spid="20"/>
+                                        </p:tgtEl>
+                                        <p:attrNameLst>
+                                          <p:attrName>style.visibility</p:attrName>
+                                        </p:attrNameLst>
+                                      </p:cBhvr>
+                                      <p:to>
+                                        <p:strVal val="visible"/>
+                                      </p:to>
+                                    </p:set>
+                                  </p:childTnLst>
+                                </p:cTn>
+                              </p:par>
+                              <p:par>
+                                <p:cTn id="13" presetID="1" presetClass="entr" presetSubtype="0" fill="hold" grpId="0" nodeType="withEffect">
+                                  <p:stCondLst>
+                                    <p:cond delay="0"/>
+                                  </p:stCondLst>
+                                  <p:childTnLst>
+                                    <p:set>
+                                      <p:cBhvr>
+                                        <p:cTn id="14" dur="1" fill="hold">
+                                          <p:stCondLst>
+                                            <p:cond delay="0"/>
+                                          </p:stCondLst>
+                                        </p:cTn>
+                                        <p:tgtEl>
+                                          <p:spTgt spid="24"/>
+                                        </p:tgtEl>
+                                        <p:attrNameLst>
+                                          <p:attrName>style.visibility</p:attrName>
+                                        </p:attrNameLst>
+                                      </p:cBhvr>
+                                      <p:to>
+                                        <p:strVal val="visible"/>
+                                      </p:to>
+                                    </p:set>
+                                  </p:childTnLst>
+                                </p:cTn>
+                              </p:par>
+                              <p:par>
+                                <p:cTn id="15" presetID="1" presetClass="entr" presetSubtype="0" fill="hold" grpId="0" nodeType="withEffect">
+                                  <p:stCondLst>
+                                    <p:cond delay="0"/>
+                                  </p:stCondLst>
+                                  <p:childTnLst>
+                                    <p:set>
+                                      <p:cBhvr>
+                                        <p:cTn id="16" dur="1" fill="hold">
+                                          <p:stCondLst>
+                                            <p:cond delay="0"/>
+                                          </p:stCondLst>
+                                        </p:cTn>
+                                        <p:tgtEl>
+                                          <p:spTgt spid="25"/>
+                                        </p:tgtEl>
+                                        <p:attrNameLst>
+                                          <p:attrName>style.visibility</p:attrName>
+                                        </p:attrNameLst>
+                                      </p:cBhvr>
+                                      <p:to>
+                                        <p:strVal val="visible"/>
+                                      </p:to>
+                                    </p:set>
+                                  </p:childTnLst>
+                                </p:cTn>
+                              </p:par>
+                              <p:par>
+                                <p:cTn id="17" presetID="1" presetClass="entr" presetSubtype="0" fill="hold" grpId="0" nodeType="withEffect">
+                                  <p:stCondLst>
+                                    <p:cond delay="0"/>
+                                  </p:stCondLst>
+                                  <p:childTnLst>
+                                    <p:set>
+                                      <p:cBhvr>
+                                        <p:cTn id="18" dur="1" fill="hold">
+                                          <p:stCondLst>
+                                            <p:cond delay="0"/>
+                                          </p:stCondLst>
+                                        </p:cTn>
+                                        <p:tgtEl>
+                                          <p:spTgt spid="26"/>
+                                        </p:tgtEl>
+                                        <p:attrNameLst>
+                                          <p:attrName>style.visibility</p:attrName>
+                                        </p:attrNameLst>
+                                      </p:cBhvr>
+                                      <p:to>
+                                        <p:strVal val="visible"/>
+                                      </p:to>
+                                    </p:set>
+                                  </p:childTnLst>
+                                </p:cTn>
+                              </p:par>
+                            </p:childTnLst>
+                          </p:cTn>
+                        </p:par>
+                      </p:childTnLst>
+                    </p:cTn>
+                  </p:par>
+                  <p:par>
+                    <p:cTn id="19" fill="hold">
+                      <p:stCondLst>
+                        <p:cond delay="indefinite"/>
+                      </p:stCondLst>
+                      <p:childTnLst>
+                        <p:par>
+                          <p:cTn id="20" fill="hold">
+                            <p:stCondLst>
+                              <p:cond delay="0"/>
+                            </p:stCondLst>
+                            <p:childTnLst>
+                              <p:par>
+                                <p:cTn id="21" presetID="1" presetClass="entr" presetSubtype="0" fill="hold" grpId="0" nodeType="clickEffect">
+                                  <p:stCondLst>
+                                    <p:cond delay="0"/>
+                                  </p:stCondLst>
+                                  <p:childTnLst>
+                                    <p:set>
+                                      <p:cBhvr>
+                                        <p:cTn id="22" dur="1" fill="hold">
+                                          <p:stCondLst>
+                                            <p:cond delay="0"/>
+                                          </p:stCondLst>
+                                        </p:cTn>
+                                        <p:tgtEl>
+                                          <p:spTgt spid="12"/>
+                                        </p:tgtEl>
+                                        <p:attrNameLst>
+                                          <p:attrName>style.visibility</p:attrName>
+                                        </p:attrNameLst>
+                                      </p:cBhvr>
+                                      <p:to>
+                                        <p:strVal val="visible"/>
+                                      </p:to>
+                                    </p:set>
+                                  </p:childTnLst>
+                                </p:cTn>
+                              </p:par>
+                              <p:par>
+                                <p:cTn id="23" presetID="1" presetClass="entr" presetSubtype="0" fill="hold" grpId="0" nodeType="withEffect">
+                                  <p:stCondLst>
+                                    <p:cond delay="0"/>
+                                  </p:stCondLst>
+                                  <p:childTnLst>
+                                    <p:set>
+                                      <p:cBhvr>
+                                        <p:cTn id="24" dur="1" fill="hold">
+                                          <p:stCondLst>
+                                            <p:cond delay="0"/>
+                                          </p:stCondLst>
+                                        </p:cTn>
+                                        <p:tgtEl>
+                                          <p:spTgt spid="13"/>
+                                        </p:tgtEl>
+                                        <p:attrNameLst>
+                                          <p:attrName>style.visibility</p:attrName>
+                                        </p:attrNameLst>
+                                      </p:cBhvr>
+                                      <p:to>
+                                        <p:strVal val="visible"/>
+                                      </p:to>
+                                    </p:set>
+                                  </p:childTnLst>
+                                </p:cTn>
+                              </p:par>
+                              <p:par>
+                                <p:cTn id="25" presetID="1" presetClass="entr" presetSubtype="0" fill="hold" grpId="0" nodeType="withEffect">
+                                  <p:stCondLst>
+                                    <p:cond delay="0"/>
+                                  </p:stCondLst>
+                                  <p:childTnLst>
+                                    <p:set>
+                                      <p:cBhvr>
+                                        <p:cTn id="26" dur="1" fill="hold">
+                                          <p:stCondLst>
+                                            <p:cond delay="0"/>
+                                          </p:stCondLst>
+                                        </p:cTn>
+                                        <p:tgtEl>
+                                          <p:spTgt spid="14"/>
+                                        </p:tgtEl>
+                                        <p:attrNameLst>
+                                          <p:attrName>style.visibility</p:attrName>
+                                        </p:attrNameLst>
+                                      </p:cBhvr>
+                                      <p:to>
+                                        <p:strVal val="visible"/>
+                                      </p:to>
+                                    </p:set>
+                                  </p:childTnLst>
+                                </p:cTn>
+                              </p:par>
+                              <p:par>
+                                <p:cTn id="27" presetID="1" presetClass="entr" presetSubtype="0" fill="hold" grpId="0" nodeType="withEffect">
+                                  <p:stCondLst>
+                                    <p:cond delay="0"/>
+                                  </p:stCondLst>
+                                  <p:childTnLst>
+                                    <p:set>
+                                      <p:cBhvr>
+                                        <p:cTn id="28" dur="1" fill="hold">
+                                          <p:stCondLst>
+                                            <p:cond delay="0"/>
+                                          </p:stCondLst>
+                                        </p:cTn>
+                                        <p:tgtEl>
+                                          <p:spTgt spid="15"/>
+                                        </p:tgtEl>
+                                        <p:attrNameLst>
+                                          <p:attrName>style.visibility</p:attrName>
+                                        </p:attrNameLst>
+                                      </p:cBhvr>
+                                      <p:to>
+                                        <p:strVal val="visible"/>
+                                      </p:to>
+                                    </p:set>
+                                  </p:childTnLst>
+                                </p:cTn>
+                              </p:par>
+                              <p:par>
+                                <p:cTn id="29" presetID="1" presetClass="entr" presetSubtype="0" fill="hold" nodeType="withEffect">
+                                  <p:stCondLst>
+                                    <p:cond delay="0"/>
+                                  </p:stCondLst>
+                                  <p:childTnLst>
+                                    <p:set>
+                                      <p:cBhvr>
+                                        <p:cTn id="30" dur="1" fill="hold">
+                                          <p:stCondLst>
+                                            <p:cond delay="0"/>
+                                          </p:stCondLst>
+                                        </p:cTn>
+                                        <p:tgtEl>
+                                          <p:spTgt spid="21"/>
+                                        </p:tgtEl>
+                                        <p:attrNameLst>
+                                          <p:attrName>style.visibility</p:attrName>
+                                        </p:attrNameLst>
+                                      </p:cBhvr>
+                                      <p:to>
+                                        <p:strVal val="visible"/>
+                                      </p:to>
+                                    </p:set>
+                                  </p:childTnLst>
+                                </p:cTn>
+                              </p:par>
+                              <p:par>
+                                <p:cTn id="31" presetID="1" presetClass="entr" presetSubtype="0" fill="hold" grpId="0" nodeType="withEffect">
+                                  <p:stCondLst>
+                                    <p:cond delay="0"/>
+                                  </p:stCondLst>
+                                  <p:childTnLst>
+                                    <p:set>
+                                      <p:cBhvr>
+                                        <p:cTn id="32" dur="1" fill="hold">
+                                          <p:stCondLst>
+                                            <p:cond delay="0"/>
+                                          </p:stCondLst>
+                                        </p:cTn>
+                                        <p:tgtEl>
+                                          <p:spTgt spid="27"/>
+                                        </p:tgtEl>
+                                        <p:attrNameLst>
+                                          <p:attrName>style.visibility</p:attrName>
+                                        </p:attrNameLst>
+                                      </p:cBhvr>
+                                      <p:to>
+                                        <p:strVal val="visible"/>
+                                      </p:to>
+                                    </p:set>
+                                  </p:childTnLst>
+                                </p:cTn>
+                              </p:par>
+                              <p:par>
+                                <p:cTn id="33" presetID="1" presetClass="entr" presetSubtype="0" fill="hold" grpId="0" nodeType="withEffect">
+                                  <p:stCondLst>
+                                    <p:cond delay="0"/>
+                                  </p:stCondLst>
+                                  <p:childTnLst>
+                                    <p:set>
+                                      <p:cBhvr>
+                                        <p:cTn id="34" dur="1" fill="hold">
+                                          <p:stCondLst>
+                                            <p:cond delay="0"/>
+                                          </p:stCondLst>
+                                        </p:cTn>
+                                        <p:tgtEl>
+                                          <p:spTgt spid="28"/>
+                                        </p:tgtEl>
+                                        <p:attrNameLst>
+                                          <p:attrName>style.visibility</p:attrName>
+                                        </p:attrNameLst>
+                                      </p:cBhvr>
+                                      <p:to>
+                                        <p:strVal val="visible"/>
+                                      </p:to>
+                                    </p:set>
+                                  </p:childTnLst>
+                                </p:cTn>
+                              </p:par>
+                            </p:childTnLst>
+                          </p:cTn>
+                        </p:par>
+                      </p:childTnLst>
+                    </p:cTn>
+                  </p:par>
+                </p:childTnLst>
+              </p:cTn>
+              <p:prevCondLst>
+                <p:cond evt="onPrev" delay="0">
+                  <p:tgtEl>
+                    <p:sldTgt/>
+                  </p:tgtEl>
+                </p:cond>
+              </p:prevCondLst>
+              <p:nextCondLst>
+                <p:cond evt="onNext" delay="0">
+                  <p:tgtEl>
+                    <p:sldTgt/>
+                  </p:tgtEl>
+                </p:cond>
+              </p:nextCondLst>
+            </p:seq>
+          </p:childTnLst>
+        </p:cTn>
+      </p:par>
+    </p:tnLst>
+    <p:bldLst>
+      <p:bldP spid="8" grpId="0" animBg="1"/>
+      <p:bldP spid="12" grpId="0" animBg="1"/>
+      <p:bldP spid="13" grpId="0"/>
+      <p:bldP spid="14" grpId="0"/>
+      <p:bldP spid="15" grpId="0"/>
+      <p:bldP spid="17" grpId="0"/>
+      <p:bldP spid="20" grpId="0"/>
+      <p:bldP spid="24" grpId="0"/>
+      <p:bldP spid="25" grpId="0"/>
+      <p:bldP spid="26" grpId="0"/>
+      <p:bldP spid="27" grpId="0"/>
+      <p:bldP spid="28" grpId="0"/>
+    </p:bldLst>
+  </p:timing>
+</p:sld>
+</file>
+
+<file path=ppt/slides/slide22.xml><?xml version="1.0" encoding="utf-8"?>
+<p:sld xmlns:a="http://schemas.openxmlformats.org/drawingml/2006/main" xmlns:r="http://schemas.openxmlformats.org/officeDocument/2006/relationships" xmlns:p="http://schemas.openxmlformats.org/presentationml/2006/main">
+  <p:cSld>
+    <p:spTree>
+      <p:nvGrpSpPr>
+        <p:cNvPr id="1" name=""/>
+        <p:cNvGrpSpPr/>
+        <p:nvPr/>
+      </p:nvGrpSpPr>
+      <p:grpSpPr>
+        <a:xfrm>
+          <a:off x="0" y="0"/>
+          <a:ext cx="0" cy="0"/>
+          <a:chOff x="0" y="0"/>
+          <a:chExt cx="0" cy="0"/>
+        </a:xfrm>
+      </p:grpSpPr>
+      <p:sp>
+        <p:nvSpPr>
+          <p:cNvPr id="4" name="자유형: 도형 3">
+            <a:extLst>
+              <a:ext uri="{FF2B5EF4-FFF2-40B4-BE49-F238E27FC236}">
+                <a16:creationId xmlns:a16="http://schemas.microsoft.com/office/drawing/2014/main" id="{90AFF5F1-F8F4-45F7-9348-E93F69D1B909}"/>
+              </a:ext>
+            </a:extLst>
+          </p:cNvPr>
+          <p:cNvSpPr/>
+          <p:nvPr/>
+        </p:nvSpPr>
+        <p:spPr>
+          <a:xfrm>
+            <a:off x="672353" y="466164"/>
+            <a:ext cx="2326341" cy="1192306"/>
+          </a:xfrm>
+          <a:custGeom>
+            <a:avLst/>
+            <a:gdLst>
+              <a:gd name="connsiteX0" fmla="*/ 1411941 w 2326341"/>
+              <a:gd name="connsiteY0" fmla="*/ 0 h 1192306"/>
+              <a:gd name="connsiteX1" fmla="*/ 0 w 2326341"/>
+              <a:gd name="connsiteY1" fmla="*/ 1192306 h 1192306"/>
+              <a:gd name="connsiteX2" fmla="*/ 2326341 w 2326341"/>
+              <a:gd name="connsiteY2" fmla="*/ 815788 h 1192306"/>
+              <a:gd name="connsiteX3" fmla="*/ 1411941 w 2326341"/>
+              <a:gd name="connsiteY3" fmla="*/ 0 h 1192306"/>
+            </a:gdLst>
+            <a:ahLst/>
+            <a:cxnLst>
+              <a:cxn ang="0">
+                <a:pos x="connsiteX0" y="connsiteY0"/>
+              </a:cxn>
+              <a:cxn ang="0">
+                <a:pos x="connsiteX1" y="connsiteY1"/>
+              </a:cxn>
+              <a:cxn ang="0">
+                <a:pos x="connsiteX2" y="connsiteY2"/>
+              </a:cxn>
+              <a:cxn ang="0">
+                <a:pos x="connsiteX3" y="connsiteY3"/>
+              </a:cxn>
+            </a:cxnLst>
+            <a:rect l="l" t="t" r="r" b="b"/>
+            <a:pathLst>
+              <a:path w="2326341" h="1192306">
+                <a:moveTo>
+                  <a:pt x="1411941" y="0"/>
+                </a:moveTo>
+                <a:lnTo>
+                  <a:pt x="0" y="1192306"/>
+                </a:lnTo>
+                <a:lnTo>
+                  <a:pt x="2326341" y="815788"/>
+                </a:lnTo>
+                <a:lnTo>
+                  <a:pt x="1411941" y="0"/>
+                </a:lnTo>
+                <a:close/>
+              </a:path>
+            </a:pathLst>
+          </a:custGeom>
+          <a:solidFill>
+            <a:schemeClr val="accent1">
+              <a:alpha val="70000"/>
+            </a:schemeClr>
+          </a:solidFill>
+        </p:spPr>
+        <p:style>
+          <a:lnRef idx="2">
+            <a:schemeClr val="accent1">
+              <a:shade val="50000"/>
+            </a:schemeClr>
+          </a:lnRef>
+          <a:fillRef idx="1">
+            <a:schemeClr val="accent1"/>
+          </a:fillRef>
+          <a:effectRef idx="0">
+            <a:schemeClr val="accent1"/>
+          </a:effectRef>
+          <a:fontRef idx="minor">
+            <a:schemeClr val="lt1"/>
+          </a:fontRef>
+        </p:style>
+        <p:txBody>
+          <a:bodyPr rtlCol="0" anchor="ctr"/>
+          <a:lstStyle/>
+          <a:p>
+            <a:pPr algn="ctr"/>
+            <a:endParaRPr lang="ko-KR" altLang="en-US"/>
+          </a:p>
+        </p:txBody>
+      </p:sp>
+      <p:sp>
+        <p:nvSpPr>
+          <p:cNvPr id="5" name="TextBox 4">
+            <a:extLst>
+              <a:ext uri="{FF2B5EF4-FFF2-40B4-BE49-F238E27FC236}">
+                <a16:creationId xmlns:a16="http://schemas.microsoft.com/office/drawing/2014/main" id="{D8BF08B8-3A42-47F1-B6C4-59CAECD6FE5A}"/>
+              </a:ext>
+            </a:extLst>
+          </p:cNvPr>
+          <p:cNvSpPr txBox="1"/>
+          <p:nvPr/>
+        </p:nvSpPr>
+        <p:spPr>
+          <a:xfrm>
+            <a:off x="203947" y="1658470"/>
+            <a:ext cx="936812" cy="369332"/>
+          </a:xfrm>
+          <a:prstGeom prst="rect">
+            <a:avLst/>
+          </a:prstGeom>
+          <a:noFill/>
+        </p:spPr>
+        <p:txBody>
+          <a:bodyPr wrap="square" rtlCol="0">
+            <a:spAutoFit/>
+          </a:bodyPr>
+          <a:lstStyle/>
+          <a:p>
+            <a:pPr algn="ctr"/>
+            <a:r>
+              <a:rPr lang="en-US" altLang="ko-KR" dirty="0"/>
+              <a:t>vertex 0</a:t>
+            </a:r>
+            <a:endParaRPr lang="ko-KR" altLang="en-US" dirty="0"/>
+          </a:p>
+        </p:txBody>
+      </p:sp>
+      <p:sp>
+        <p:nvSpPr>
+          <p:cNvPr id="6" name="TextBox 5">
+            <a:extLst>
+              <a:ext uri="{FF2B5EF4-FFF2-40B4-BE49-F238E27FC236}">
+                <a16:creationId xmlns:a16="http://schemas.microsoft.com/office/drawing/2014/main" id="{A5393DA8-7BE6-45FD-9AE8-F72450FC92C4}"/>
+              </a:ext>
+            </a:extLst>
+          </p:cNvPr>
+          <p:cNvSpPr txBox="1"/>
+          <p:nvPr/>
+        </p:nvSpPr>
+        <p:spPr>
+          <a:xfrm>
+            <a:off x="2678206" y="1289138"/>
+            <a:ext cx="936812" cy="369332"/>
+          </a:xfrm>
+          <a:prstGeom prst="rect">
+            <a:avLst/>
+          </a:prstGeom>
+          <a:noFill/>
+        </p:spPr>
+        <p:txBody>
+          <a:bodyPr wrap="square" rtlCol="0">
+            <a:spAutoFit/>
+          </a:bodyPr>
+          <a:lstStyle/>
+          <a:p>
+            <a:pPr algn="ctr"/>
+            <a:r>
+              <a:rPr lang="en-US" altLang="ko-KR" dirty="0"/>
+              <a:t>vertex 1</a:t>
+            </a:r>
+            <a:endParaRPr lang="ko-KR" altLang="en-US" dirty="0"/>
+          </a:p>
+        </p:txBody>
+      </p:sp>
+      <p:sp>
+        <p:nvSpPr>
+          <p:cNvPr id="7" name="TextBox 6">
+            <a:extLst>
+              <a:ext uri="{FF2B5EF4-FFF2-40B4-BE49-F238E27FC236}">
+                <a16:creationId xmlns:a16="http://schemas.microsoft.com/office/drawing/2014/main" id="{E7197138-EA9A-4623-91F7-2B17896FAF98}"/>
+              </a:ext>
+            </a:extLst>
+          </p:cNvPr>
+          <p:cNvSpPr txBox="1"/>
+          <p:nvPr/>
+        </p:nvSpPr>
+        <p:spPr>
+          <a:xfrm>
+            <a:off x="1638300" y="96832"/>
+            <a:ext cx="936812" cy="369332"/>
+          </a:xfrm>
+          <a:prstGeom prst="rect">
+            <a:avLst/>
+          </a:prstGeom>
+          <a:noFill/>
+        </p:spPr>
+        <p:txBody>
+          <a:bodyPr wrap="square" rtlCol="0">
+            <a:spAutoFit/>
+          </a:bodyPr>
+          <a:lstStyle/>
+          <a:p>
+            <a:pPr algn="ctr"/>
+            <a:r>
+              <a:rPr lang="en-US" altLang="ko-KR" dirty="0"/>
+              <a:t>vertex 2</a:t>
+            </a:r>
+            <a:endParaRPr lang="ko-KR" altLang="en-US" dirty="0"/>
+          </a:p>
+        </p:txBody>
+      </p:sp>
+      <p:sp>
+        <p:nvSpPr>
+          <p:cNvPr id="8" name="자유형: 도형 7">
+            <a:extLst>
+              <a:ext uri="{FF2B5EF4-FFF2-40B4-BE49-F238E27FC236}">
+                <a16:creationId xmlns:a16="http://schemas.microsoft.com/office/drawing/2014/main" id="{BB7A4626-73F7-4B84-9CE7-67622F8D14F8}"/>
+              </a:ext>
+            </a:extLst>
+          </p:cNvPr>
+          <p:cNvSpPr/>
+          <p:nvPr/>
+        </p:nvSpPr>
+        <p:spPr>
+          <a:xfrm>
+            <a:off x="6042211" y="2855258"/>
+            <a:ext cx="2326341" cy="1192306"/>
+          </a:xfrm>
+          <a:custGeom>
+            <a:avLst/>
+            <a:gdLst>
+              <a:gd name="connsiteX0" fmla="*/ 1411941 w 2326341"/>
+              <a:gd name="connsiteY0" fmla="*/ 0 h 1192306"/>
+              <a:gd name="connsiteX1" fmla="*/ 0 w 2326341"/>
+              <a:gd name="connsiteY1" fmla="*/ 1192306 h 1192306"/>
+              <a:gd name="connsiteX2" fmla="*/ 2326341 w 2326341"/>
+              <a:gd name="connsiteY2" fmla="*/ 815788 h 1192306"/>
+              <a:gd name="connsiteX3" fmla="*/ 1411941 w 2326341"/>
+              <a:gd name="connsiteY3" fmla="*/ 0 h 1192306"/>
+            </a:gdLst>
+            <a:ahLst/>
+            <a:cxnLst>
+              <a:cxn ang="0">
+                <a:pos x="connsiteX0" y="connsiteY0"/>
+              </a:cxn>
+              <a:cxn ang="0">
+                <a:pos x="connsiteX1" y="connsiteY1"/>
+              </a:cxn>
+              <a:cxn ang="0">
+                <a:pos x="connsiteX2" y="connsiteY2"/>
+              </a:cxn>
+              <a:cxn ang="0">
+                <a:pos x="connsiteX3" y="connsiteY3"/>
+              </a:cxn>
+            </a:cxnLst>
+            <a:rect l="l" t="t" r="r" b="b"/>
+            <a:pathLst>
+              <a:path w="2326341" h="1192306">
+                <a:moveTo>
+                  <a:pt x="1411941" y="0"/>
+                </a:moveTo>
+                <a:lnTo>
+                  <a:pt x="0" y="1192306"/>
+                </a:lnTo>
+                <a:lnTo>
+                  <a:pt x="2326341" y="815788"/>
+                </a:lnTo>
+                <a:lnTo>
+                  <a:pt x="1411941" y="0"/>
+                </a:lnTo>
+                <a:close/>
+              </a:path>
+            </a:pathLst>
+          </a:custGeom>
+          <a:solidFill>
+            <a:schemeClr val="accent1">
+              <a:alpha val="70000"/>
+            </a:schemeClr>
+          </a:solidFill>
+        </p:spPr>
+        <p:style>
+          <a:lnRef idx="2">
+            <a:schemeClr val="accent1">
+              <a:shade val="50000"/>
+            </a:schemeClr>
+          </a:lnRef>
+          <a:fillRef idx="1">
+            <a:schemeClr val="accent1"/>
+          </a:fillRef>
+          <a:effectRef idx="0">
+            <a:schemeClr val="accent1"/>
+          </a:effectRef>
+          <a:fontRef idx="minor">
+            <a:schemeClr val="lt1"/>
+          </a:fontRef>
+        </p:style>
+        <p:txBody>
+          <a:bodyPr rtlCol="0" anchor="ctr"/>
+          <a:lstStyle/>
+          <a:p>
+            <a:pPr algn="ctr"/>
+            <a:endParaRPr lang="ko-KR" altLang="en-US"/>
+          </a:p>
+        </p:txBody>
+      </p:sp>
+      <p:sp>
+        <p:nvSpPr>
+          <p:cNvPr id="12" name="자유형: 도형 11">
+            <a:extLst>
+              <a:ext uri="{FF2B5EF4-FFF2-40B4-BE49-F238E27FC236}">
+                <a16:creationId xmlns:a16="http://schemas.microsoft.com/office/drawing/2014/main" id="{EA0C8052-DA13-4B19-AB6B-AFDD1EDE1CCD}"/>
+              </a:ext>
+            </a:extLst>
+          </p:cNvPr>
+          <p:cNvSpPr/>
+          <p:nvPr/>
+        </p:nvSpPr>
+        <p:spPr>
+          <a:xfrm>
+            <a:off x="672353" y="5296362"/>
+            <a:ext cx="2326341" cy="1192306"/>
+          </a:xfrm>
+          <a:custGeom>
+            <a:avLst/>
+            <a:gdLst>
+              <a:gd name="connsiteX0" fmla="*/ 1411941 w 2326341"/>
+              <a:gd name="connsiteY0" fmla="*/ 0 h 1192306"/>
+              <a:gd name="connsiteX1" fmla="*/ 0 w 2326341"/>
+              <a:gd name="connsiteY1" fmla="*/ 1192306 h 1192306"/>
+              <a:gd name="connsiteX2" fmla="*/ 2326341 w 2326341"/>
+              <a:gd name="connsiteY2" fmla="*/ 815788 h 1192306"/>
+              <a:gd name="connsiteX3" fmla="*/ 1411941 w 2326341"/>
+              <a:gd name="connsiteY3" fmla="*/ 0 h 1192306"/>
+            </a:gdLst>
+            <a:ahLst/>
+            <a:cxnLst>
+              <a:cxn ang="0">
+                <a:pos x="connsiteX0" y="connsiteY0"/>
+              </a:cxn>
+              <a:cxn ang="0">
+                <a:pos x="connsiteX1" y="connsiteY1"/>
+              </a:cxn>
+              <a:cxn ang="0">
+                <a:pos x="connsiteX2" y="connsiteY2"/>
+              </a:cxn>
+              <a:cxn ang="0">
+                <a:pos x="connsiteX3" y="connsiteY3"/>
+              </a:cxn>
+            </a:cxnLst>
+            <a:rect l="l" t="t" r="r" b="b"/>
+            <a:pathLst>
+              <a:path w="2326341" h="1192306">
+                <a:moveTo>
+                  <a:pt x="1411941" y="0"/>
+                </a:moveTo>
+                <a:lnTo>
+                  <a:pt x="0" y="1192306"/>
+                </a:lnTo>
+                <a:lnTo>
+                  <a:pt x="2326341" y="815788"/>
+                </a:lnTo>
+                <a:lnTo>
+                  <a:pt x="1411941" y="0"/>
+                </a:lnTo>
+                <a:close/>
+              </a:path>
+            </a:pathLst>
+          </a:custGeom>
+          <a:solidFill>
+            <a:schemeClr val="accent1">
+              <a:alpha val="70000"/>
+            </a:schemeClr>
+          </a:solidFill>
+        </p:spPr>
+        <p:style>
+          <a:lnRef idx="2">
+            <a:schemeClr val="accent1">
+              <a:shade val="50000"/>
+            </a:schemeClr>
+          </a:lnRef>
+          <a:fillRef idx="1">
+            <a:schemeClr val="accent1"/>
+          </a:fillRef>
+          <a:effectRef idx="0">
+            <a:schemeClr val="accent1"/>
+          </a:effectRef>
+          <a:fontRef idx="minor">
+            <a:schemeClr val="lt1"/>
+          </a:fontRef>
+        </p:style>
+        <p:txBody>
+          <a:bodyPr rtlCol="0" anchor="ctr"/>
+          <a:lstStyle/>
+          <a:p>
+            <a:pPr algn="ctr"/>
+            <a:endParaRPr lang="ko-KR" altLang="en-US"/>
+          </a:p>
+        </p:txBody>
+      </p:sp>
+      <p:sp>
+        <p:nvSpPr>
+          <p:cNvPr id="16" name="TextBox 15">
+            <a:extLst>
+              <a:ext uri="{FF2B5EF4-FFF2-40B4-BE49-F238E27FC236}">
+                <a16:creationId xmlns:a16="http://schemas.microsoft.com/office/drawing/2014/main" id="{28FBE0D4-CD21-476B-81DA-E35C968AA66D}"/>
+              </a:ext>
+            </a:extLst>
+          </p:cNvPr>
+          <p:cNvSpPr txBox="1"/>
+          <p:nvPr/>
+        </p:nvSpPr>
+        <p:spPr>
+          <a:xfrm>
+            <a:off x="3953438" y="753036"/>
+            <a:ext cx="4823010" cy="507831"/>
+          </a:xfrm>
+          <a:prstGeom prst="rect">
+            <a:avLst/>
+          </a:prstGeom>
+          <a:noFill/>
+        </p:spPr>
+        <p:txBody>
+          <a:bodyPr wrap="square" rtlCol="0">
+            <a:spAutoFit/>
+          </a:bodyPr>
+          <a:lstStyle/>
+          <a:p>
+            <a:pPr>
+              <a:lnSpc>
+                <a:spcPct val="150000"/>
+              </a:lnSpc>
+            </a:pPr>
+            <a:r>
+              <a:rPr lang="ko-KR" altLang="en-US" dirty="0"/>
+              <a:t>외적을 계산하여 삼각형의 법선 벡터를 구하고</a:t>
+            </a:r>
+          </a:p>
+        </p:txBody>
+      </p:sp>
+      <p:sp>
+        <p:nvSpPr>
+          <p:cNvPr id="17" name="TextBox 16">
+            <a:extLst>
+              <a:ext uri="{FF2B5EF4-FFF2-40B4-BE49-F238E27FC236}">
+                <a16:creationId xmlns:a16="http://schemas.microsoft.com/office/drawing/2014/main" id="{5204D461-E666-437C-8FFC-DEAC4469DA21}"/>
+              </a:ext>
+            </a:extLst>
+          </p:cNvPr>
+          <p:cNvSpPr txBox="1"/>
+          <p:nvPr/>
+        </p:nvSpPr>
+        <p:spPr>
+          <a:xfrm>
+            <a:off x="62753" y="3292750"/>
+            <a:ext cx="5432612" cy="369332"/>
+          </a:xfrm>
+          <a:prstGeom prst="rect">
+            <a:avLst/>
+          </a:prstGeom>
+          <a:noFill/>
+        </p:spPr>
+        <p:txBody>
+          <a:bodyPr wrap="square" rtlCol="0">
+            <a:spAutoFit/>
+          </a:bodyPr>
+          <a:lstStyle/>
+          <a:p>
+            <a:r>
+              <a:rPr lang="ko-KR" altLang="en-US" dirty="0"/>
+              <a:t>법선 벡터와 각 </a:t>
+            </a:r>
+            <a:r>
+              <a:rPr lang="en-US" altLang="ko-KR" dirty="0"/>
+              <a:t>vertex normal</a:t>
+            </a:r>
+            <a:r>
+              <a:rPr lang="ko-KR" altLang="en-US" dirty="0"/>
+              <a:t>들과의 내적을 계산하여</a:t>
+            </a:r>
+          </a:p>
+        </p:txBody>
+      </p:sp>
+      <p:cxnSp>
+        <p:nvCxnSpPr>
+          <p:cNvPr id="18" name="직선 화살표 연결선 17">
+            <a:extLst>
+              <a:ext uri="{FF2B5EF4-FFF2-40B4-BE49-F238E27FC236}">
+                <a16:creationId xmlns:a16="http://schemas.microsoft.com/office/drawing/2014/main" id="{53864485-33A5-4059-A702-AE9917EA8FAF}"/>
+              </a:ext>
+            </a:extLst>
+          </p:cNvPr>
+          <p:cNvCxnSpPr/>
+          <p:nvPr/>
+        </p:nvCxnSpPr>
+        <p:spPr>
+          <a:xfrm flipV="1">
+            <a:off x="682438" y="1281952"/>
+            <a:ext cx="2326341" cy="376518"/>
+          </a:xfrm>
+          <a:prstGeom prst="straightConnector1">
+            <a:avLst/>
+          </a:prstGeom>
+          <a:ln w="25400">
+            <a:solidFill>
+              <a:srgbClr val="FF0000"/>
+            </a:solidFill>
+            <a:tailEnd type="triangle" w="med" len="lg"/>
+          </a:ln>
+        </p:spPr>
+        <p:style>
+          <a:lnRef idx="1">
+            <a:schemeClr val="accent1"/>
+          </a:lnRef>
+          <a:fillRef idx="0">
+            <a:schemeClr val="accent1"/>
+          </a:fillRef>
+          <a:effectRef idx="0">
+            <a:schemeClr val="accent1"/>
+          </a:effectRef>
+          <a:fontRef idx="minor">
+            <a:schemeClr val="tx1"/>
+          </a:fontRef>
+        </p:style>
+      </p:cxnSp>
+      <p:sp>
+        <p:nvSpPr>
+          <p:cNvPr id="21" name="TextBox 20">
+            <a:extLst>
+              <a:ext uri="{FF2B5EF4-FFF2-40B4-BE49-F238E27FC236}">
+                <a16:creationId xmlns:a16="http://schemas.microsoft.com/office/drawing/2014/main" id="{6A66C6C0-7E1C-4043-8B93-3E89D0B54605}"/>
+              </a:ext>
+            </a:extLst>
+          </p:cNvPr>
+          <p:cNvSpPr txBox="1"/>
+          <p:nvPr/>
+        </p:nvSpPr>
+        <p:spPr>
+          <a:xfrm>
+            <a:off x="1690968" y="1473804"/>
+            <a:ext cx="452718" cy="369332"/>
+          </a:xfrm>
+          <a:prstGeom prst="rect">
+            <a:avLst/>
+          </a:prstGeom>
+          <a:noFill/>
+        </p:spPr>
+        <p:txBody>
+          <a:bodyPr wrap="square" rtlCol="0">
+            <a:spAutoFit/>
+          </a:bodyPr>
+          <a:lstStyle/>
+          <a:p>
+            <a:r>
+              <a:rPr lang="en-US" altLang="ko-KR" dirty="0"/>
+              <a:t>V1</a:t>
+            </a:r>
+            <a:endParaRPr lang="ko-KR" altLang="en-US" dirty="0"/>
+          </a:p>
+        </p:txBody>
+      </p:sp>
+      <p:cxnSp>
+        <p:nvCxnSpPr>
+          <p:cNvPr id="22" name="직선 화살표 연결선 21">
+            <a:extLst>
+              <a:ext uri="{FF2B5EF4-FFF2-40B4-BE49-F238E27FC236}">
+                <a16:creationId xmlns:a16="http://schemas.microsoft.com/office/drawing/2014/main" id="{65BBA574-2A0D-4A00-AD3F-0DC011002890}"/>
+              </a:ext>
+            </a:extLst>
+          </p:cNvPr>
+          <p:cNvCxnSpPr>
+            <a:cxnSpLocks/>
+          </p:cNvCxnSpPr>
+          <p:nvPr/>
+        </p:nvCxnSpPr>
+        <p:spPr>
+          <a:xfrm flipV="1">
+            <a:off x="672353" y="466164"/>
+            <a:ext cx="1434353" cy="1192306"/>
+          </a:xfrm>
+          <a:prstGeom prst="straightConnector1">
+            <a:avLst/>
+          </a:prstGeom>
+          <a:ln w="25400">
+            <a:solidFill>
+              <a:srgbClr val="FF0000"/>
+            </a:solidFill>
+            <a:tailEnd type="triangle" w="med" len="lg"/>
+          </a:ln>
+        </p:spPr>
+        <p:style>
+          <a:lnRef idx="1">
+            <a:schemeClr val="accent1"/>
+          </a:lnRef>
+          <a:fillRef idx="0">
+            <a:schemeClr val="accent1"/>
+          </a:fillRef>
+          <a:effectRef idx="0">
+            <a:schemeClr val="accent1"/>
+          </a:effectRef>
+          <a:fontRef idx="minor">
+            <a:schemeClr val="tx1"/>
+          </a:fontRef>
+        </p:style>
+      </p:cxnSp>
+      <p:sp>
+        <p:nvSpPr>
+          <p:cNvPr id="23" name="TextBox 22">
+            <a:extLst>
+              <a:ext uri="{FF2B5EF4-FFF2-40B4-BE49-F238E27FC236}">
+                <a16:creationId xmlns:a16="http://schemas.microsoft.com/office/drawing/2014/main" id="{9152E5BE-C151-40FD-BEA1-1789A44BC4A9}"/>
+              </a:ext>
+            </a:extLst>
+          </p:cNvPr>
+          <p:cNvSpPr txBox="1"/>
+          <p:nvPr/>
+        </p:nvSpPr>
+        <p:spPr>
+          <a:xfrm>
+            <a:off x="1008529" y="692985"/>
+            <a:ext cx="452718" cy="369332"/>
+          </a:xfrm>
+          <a:prstGeom prst="rect">
+            <a:avLst/>
+          </a:prstGeom>
+          <a:noFill/>
+        </p:spPr>
+        <p:txBody>
+          <a:bodyPr wrap="square" rtlCol="0">
+            <a:spAutoFit/>
+          </a:bodyPr>
+          <a:lstStyle/>
+          <a:p>
+            <a:r>
+              <a:rPr lang="en-US" altLang="ko-KR" dirty="0"/>
+              <a:t>V2</a:t>
+            </a:r>
+            <a:endParaRPr lang="ko-KR" altLang="en-US" dirty="0"/>
+          </a:p>
+        </p:txBody>
+      </p:sp>
+      <p:cxnSp>
+        <p:nvCxnSpPr>
+          <p:cNvPr id="3" name="직선 화살표 연결선 2">
+            <a:extLst>
+              <a:ext uri="{FF2B5EF4-FFF2-40B4-BE49-F238E27FC236}">
+                <a16:creationId xmlns:a16="http://schemas.microsoft.com/office/drawing/2014/main" id="{4F53C77D-07AE-4B7E-AAF9-7BD6373AF454}"/>
+              </a:ext>
+            </a:extLst>
+          </p:cNvPr>
+          <p:cNvCxnSpPr>
+            <a:stCxn id="5" idx="0"/>
+          </p:cNvCxnSpPr>
+          <p:nvPr/>
+        </p:nvCxnSpPr>
+        <p:spPr>
+          <a:xfrm flipH="1" flipV="1">
+            <a:off x="203947" y="753036"/>
+            <a:ext cx="468406" cy="905434"/>
+          </a:xfrm>
+          <a:prstGeom prst="straightConnector1">
+            <a:avLst/>
+          </a:prstGeom>
+          <a:ln w="25400">
+            <a:solidFill>
+              <a:srgbClr val="00B050"/>
+            </a:solidFill>
+            <a:tailEnd type="triangle" w="med" len="lg"/>
+          </a:ln>
+        </p:spPr>
+        <p:style>
+          <a:lnRef idx="1">
+            <a:schemeClr val="accent1"/>
+          </a:lnRef>
+          <a:fillRef idx="0">
+            <a:schemeClr val="accent1"/>
+          </a:fillRef>
+          <a:effectRef idx="0">
+            <a:schemeClr val="accent1"/>
+          </a:effectRef>
+          <a:fontRef idx="minor">
+            <a:schemeClr val="tx1"/>
+          </a:fontRef>
+        </p:style>
+      </p:cxnSp>
+      <p:cxnSp>
+        <p:nvCxnSpPr>
+          <p:cNvPr id="24" name="직선 화살표 연결선 23">
+            <a:extLst>
+              <a:ext uri="{FF2B5EF4-FFF2-40B4-BE49-F238E27FC236}">
+                <a16:creationId xmlns:a16="http://schemas.microsoft.com/office/drawing/2014/main" id="{2D5201A3-6505-40F0-B3ED-8D6906266DF0}"/>
+              </a:ext>
+            </a:extLst>
+          </p:cNvPr>
+          <p:cNvCxnSpPr/>
+          <p:nvPr/>
+        </p:nvCxnSpPr>
+        <p:spPr>
+          <a:xfrm flipH="1" flipV="1">
+            <a:off x="6658535" y="2640107"/>
+            <a:ext cx="468406" cy="905434"/>
+          </a:xfrm>
+          <a:prstGeom prst="straightConnector1">
+            <a:avLst/>
+          </a:prstGeom>
+          <a:ln w="25400">
+            <a:solidFill>
+              <a:srgbClr val="00B050"/>
+            </a:solidFill>
+            <a:tailEnd type="triangle" w="med" len="lg"/>
+          </a:ln>
+        </p:spPr>
+        <p:style>
+          <a:lnRef idx="1">
+            <a:schemeClr val="accent1"/>
+          </a:lnRef>
+          <a:fillRef idx="0">
+            <a:schemeClr val="accent1"/>
+          </a:fillRef>
+          <a:effectRef idx="0">
+            <a:schemeClr val="accent1"/>
+          </a:effectRef>
+          <a:fontRef idx="minor">
+            <a:schemeClr val="tx1"/>
+          </a:fontRef>
+        </p:style>
+      </p:cxnSp>
+      <p:cxnSp>
+        <p:nvCxnSpPr>
+          <p:cNvPr id="25" name="직선 화살표 연결선 24">
+            <a:extLst>
+              <a:ext uri="{FF2B5EF4-FFF2-40B4-BE49-F238E27FC236}">
+                <a16:creationId xmlns:a16="http://schemas.microsoft.com/office/drawing/2014/main" id="{5EAAC2A0-3A72-4211-8856-B88BA772299D}"/>
+              </a:ext>
+            </a:extLst>
+          </p:cNvPr>
+          <p:cNvCxnSpPr>
+            <a:cxnSpLocks/>
+            <a:stCxn id="8" idx="0"/>
+          </p:cNvCxnSpPr>
+          <p:nvPr/>
+        </p:nvCxnSpPr>
+        <p:spPr>
+          <a:xfrm flipV="1">
+            <a:off x="7454152" y="2348753"/>
+            <a:ext cx="58272" cy="506505"/>
+          </a:xfrm>
+          <a:prstGeom prst="straightConnector1">
+            <a:avLst/>
+          </a:prstGeom>
+          <a:ln w="25400">
+            <a:solidFill>
+              <a:srgbClr val="FF0000"/>
+            </a:solidFill>
+            <a:tailEnd type="triangle" w="med" len="lg"/>
+          </a:ln>
+        </p:spPr>
+        <p:style>
+          <a:lnRef idx="1">
+            <a:schemeClr val="accent1"/>
+          </a:lnRef>
+          <a:fillRef idx="0">
+            <a:schemeClr val="accent1"/>
+          </a:fillRef>
+          <a:effectRef idx="0">
+            <a:schemeClr val="accent1"/>
+          </a:effectRef>
+          <a:fontRef idx="minor">
+            <a:schemeClr val="tx1"/>
+          </a:fontRef>
+        </p:style>
+      </p:cxnSp>
+      <p:cxnSp>
+        <p:nvCxnSpPr>
+          <p:cNvPr id="26" name="직선 화살표 연결선 25">
+            <a:extLst>
+              <a:ext uri="{FF2B5EF4-FFF2-40B4-BE49-F238E27FC236}">
+                <a16:creationId xmlns:a16="http://schemas.microsoft.com/office/drawing/2014/main" id="{062315BF-CD60-4434-A43F-96102A1C4649}"/>
+              </a:ext>
+            </a:extLst>
+          </p:cNvPr>
+          <p:cNvCxnSpPr>
+            <a:cxnSpLocks/>
+          </p:cNvCxnSpPr>
+          <p:nvPr/>
+        </p:nvCxnSpPr>
+        <p:spPr>
+          <a:xfrm flipV="1">
+            <a:off x="2106706" y="4789857"/>
+            <a:ext cx="58272" cy="506505"/>
+          </a:xfrm>
+          <a:prstGeom prst="straightConnector1">
+            <a:avLst/>
+          </a:prstGeom>
+          <a:ln w="25400">
+            <a:solidFill>
+              <a:srgbClr val="FF0000"/>
+            </a:solidFill>
+            <a:tailEnd type="triangle" w="med" len="lg"/>
+          </a:ln>
+        </p:spPr>
+        <p:style>
+          <a:lnRef idx="1">
+            <a:schemeClr val="accent1"/>
+          </a:lnRef>
+          <a:fillRef idx="0">
+            <a:schemeClr val="accent1"/>
+          </a:fillRef>
+          <a:effectRef idx="0">
+            <a:schemeClr val="accent1"/>
+          </a:effectRef>
+          <a:fontRef idx="minor">
+            <a:schemeClr val="tx1"/>
+          </a:fontRef>
+        </p:style>
+      </p:cxnSp>
+      <p:cxnSp>
+        <p:nvCxnSpPr>
+          <p:cNvPr id="27" name="직선 화살표 연결선 26">
+            <a:extLst>
+              <a:ext uri="{FF2B5EF4-FFF2-40B4-BE49-F238E27FC236}">
+                <a16:creationId xmlns:a16="http://schemas.microsoft.com/office/drawing/2014/main" id="{7F8C0026-CB94-4D56-A480-613E8F0B73AD}"/>
+              </a:ext>
+            </a:extLst>
+          </p:cNvPr>
+          <p:cNvCxnSpPr>
+            <a:cxnSpLocks/>
+            <a:stCxn id="8" idx="1"/>
+          </p:cNvCxnSpPr>
+          <p:nvPr/>
+        </p:nvCxnSpPr>
+        <p:spPr>
+          <a:xfrm flipH="1" flipV="1">
+            <a:off x="5643282" y="3636077"/>
+            <a:ext cx="398929" cy="411487"/>
+          </a:xfrm>
+          <a:prstGeom prst="straightConnector1">
+            <a:avLst/>
+          </a:prstGeom>
+          <a:ln w="25400">
+            <a:solidFill>
+              <a:srgbClr val="FF0000"/>
+            </a:solidFill>
+            <a:tailEnd type="triangle" w="med" len="lg"/>
+          </a:ln>
+        </p:spPr>
+        <p:style>
+          <a:lnRef idx="1">
+            <a:schemeClr val="accent1"/>
+          </a:lnRef>
+          <a:fillRef idx="0">
+            <a:schemeClr val="accent1"/>
+          </a:fillRef>
+          <a:effectRef idx="0">
+            <a:schemeClr val="accent1"/>
+          </a:effectRef>
+          <a:fontRef idx="minor">
+            <a:schemeClr val="tx1"/>
+          </a:fontRef>
+        </p:style>
+      </p:cxnSp>
+      <p:cxnSp>
+        <p:nvCxnSpPr>
+          <p:cNvPr id="30" name="직선 화살표 연결선 29">
+            <a:extLst>
+              <a:ext uri="{FF2B5EF4-FFF2-40B4-BE49-F238E27FC236}">
+                <a16:creationId xmlns:a16="http://schemas.microsoft.com/office/drawing/2014/main" id="{A6FE0234-CC09-4BBC-BDB0-1CBA849482B9}"/>
+              </a:ext>
+            </a:extLst>
+          </p:cNvPr>
+          <p:cNvCxnSpPr>
+            <a:cxnSpLocks/>
+            <a:stCxn id="8" idx="2"/>
+          </p:cNvCxnSpPr>
+          <p:nvPr/>
+        </p:nvCxnSpPr>
+        <p:spPr>
+          <a:xfrm>
+            <a:off x="8368552" y="3671046"/>
+            <a:ext cx="286872" cy="452719"/>
+          </a:xfrm>
+          <a:prstGeom prst="straightConnector1">
+            <a:avLst/>
+          </a:prstGeom>
+          <a:ln w="25400">
+            <a:solidFill>
+              <a:srgbClr val="FF0000"/>
+            </a:solidFill>
+            <a:tailEnd type="triangle" w="med" len="lg"/>
+          </a:ln>
+        </p:spPr>
+        <p:style>
+          <a:lnRef idx="1">
+            <a:schemeClr val="accent1"/>
+          </a:lnRef>
+          <a:fillRef idx="0">
+            <a:schemeClr val="accent1"/>
+          </a:fillRef>
+          <a:effectRef idx="0">
+            <a:schemeClr val="accent1"/>
+          </a:effectRef>
+          <a:fontRef idx="minor">
+            <a:schemeClr val="tx1"/>
+          </a:fontRef>
+        </p:style>
+      </p:cxnSp>
+      <p:cxnSp>
+        <p:nvCxnSpPr>
+          <p:cNvPr id="34" name="직선 화살표 연결선 33">
+            <a:extLst>
+              <a:ext uri="{FF2B5EF4-FFF2-40B4-BE49-F238E27FC236}">
+                <a16:creationId xmlns:a16="http://schemas.microsoft.com/office/drawing/2014/main" id="{DD3325CF-C816-4323-AB4F-C3F38A1A8B2C}"/>
+              </a:ext>
+            </a:extLst>
+          </p:cNvPr>
+          <p:cNvCxnSpPr/>
+          <p:nvPr/>
+        </p:nvCxnSpPr>
+        <p:spPr>
+          <a:xfrm flipH="1" flipV="1">
+            <a:off x="1288677" y="5078507"/>
+            <a:ext cx="468406" cy="905434"/>
+          </a:xfrm>
+          <a:prstGeom prst="straightConnector1">
+            <a:avLst/>
+          </a:prstGeom>
+          <a:ln w="25400">
+            <a:solidFill>
+              <a:srgbClr val="00B050"/>
+            </a:solidFill>
+            <a:tailEnd type="triangle" w="med" len="lg"/>
+          </a:ln>
+        </p:spPr>
+        <p:style>
+          <a:lnRef idx="1">
+            <a:schemeClr val="accent1"/>
+          </a:lnRef>
+          <a:fillRef idx="0">
+            <a:schemeClr val="accent1"/>
+          </a:fillRef>
+          <a:effectRef idx="0">
+            <a:schemeClr val="accent1"/>
+          </a:effectRef>
+          <a:fontRef idx="minor">
+            <a:schemeClr val="tx1"/>
+          </a:fontRef>
+        </p:style>
+      </p:cxnSp>
+      <p:cxnSp>
+        <p:nvCxnSpPr>
+          <p:cNvPr id="35" name="직선 화살표 연결선 34">
+            <a:extLst>
+              <a:ext uri="{FF2B5EF4-FFF2-40B4-BE49-F238E27FC236}">
+                <a16:creationId xmlns:a16="http://schemas.microsoft.com/office/drawing/2014/main" id="{C5EDA7A4-A266-41A8-96C2-9350B6362F69}"/>
+              </a:ext>
+            </a:extLst>
+          </p:cNvPr>
+          <p:cNvCxnSpPr>
+            <a:cxnSpLocks/>
+          </p:cNvCxnSpPr>
+          <p:nvPr/>
+        </p:nvCxnSpPr>
+        <p:spPr>
+          <a:xfrm flipH="1" flipV="1">
+            <a:off x="273424" y="6074477"/>
+            <a:ext cx="398929" cy="411487"/>
+          </a:xfrm>
+          <a:prstGeom prst="straightConnector1">
+            <a:avLst/>
+          </a:prstGeom>
+          <a:ln w="25400">
+            <a:solidFill>
+              <a:srgbClr val="FF0000"/>
+            </a:solidFill>
+            <a:tailEnd type="triangle" w="med" len="lg"/>
+          </a:ln>
+        </p:spPr>
+        <p:style>
+          <a:lnRef idx="1">
+            <a:schemeClr val="accent1"/>
+          </a:lnRef>
+          <a:fillRef idx="0">
+            <a:schemeClr val="accent1"/>
+          </a:fillRef>
+          <a:effectRef idx="0">
+            <a:schemeClr val="accent1"/>
+          </a:effectRef>
+          <a:fontRef idx="minor">
+            <a:schemeClr val="tx1"/>
+          </a:fontRef>
+        </p:style>
+      </p:cxnSp>
+      <p:cxnSp>
+        <p:nvCxnSpPr>
+          <p:cNvPr id="36" name="직선 화살표 연결선 35">
+            <a:extLst>
+              <a:ext uri="{FF2B5EF4-FFF2-40B4-BE49-F238E27FC236}">
+                <a16:creationId xmlns:a16="http://schemas.microsoft.com/office/drawing/2014/main" id="{B7787EB5-98C5-4EB3-AE47-1E9ECC63D5BD}"/>
+              </a:ext>
+            </a:extLst>
+          </p:cNvPr>
+          <p:cNvCxnSpPr>
+            <a:cxnSpLocks/>
+          </p:cNvCxnSpPr>
+          <p:nvPr/>
+        </p:nvCxnSpPr>
+        <p:spPr>
+          <a:xfrm>
+            <a:off x="2998694" y="6109446"/>
+            <a:ext cx="286872" cy="452719"/>
+          </a:xfrm>
+          <a:prstGeom prst="straightConnector1">
+            <a:avLst/>
+          </a:prstGeom>
+          <a:ln w="25400">
+            <a:solidFill>
+              <a:srgbClr val="FF0000"/>
+            </a:solidFill>
+            <a:tailEnd type="triangle" w="med" len="lg"/>
+          </a:ln>
+        </p:spPr>
+        <p:style>
+          <a:lnRef idx="1">
+            <a:schemeClr val="accent1"/>
+          </a:lnRef>
+          <a:fillRef idx="0">
+            <a:schemeClr val="accent1"/>
+          </a:fillRef>
+          <a:effectRef idx="0">
+            <a:schemeClr val="accent1"/>
+          </a:effectRef>
+          <a:fontRef idx="minor">
+            <a:schemeClr val="tx1"/>
+          </a:fontRef>
+        </p:style>
+      </p:cxnSp>
+      <p:sp>
+        <p:nvSpPr>
+          <p:cNvPr id="37" name="TextBox 36">
+            <a:extLst>
+              <a:ext uri="{FF2B5EF4-FFF2-40B4-BE49-F238E27FC236}">
+                <a16:creationId xmlns:a16="http://schemas.microsoft.com/office/drawing/2014/main" id="{A955A7E5-6F34-44CB-9266-5247F6C1BA04}"/>
+              </a:ext>
+            </a:extLst>
+          </p:cNvPr>
+          <p:cNvSpPr txBox="1"/>
+          <p:nvPr/>
+        </p:nvSpPr>
+        <p:spPr>
+          <a:xfrm>
+            <a:off x="3953438" y="5357553"/>
+            <a:ext cx="4823010" cy="878126"/>
+          </a:xfrm>
+          <a:prstGeom prst="rect">
+            <a:avLst/>
+          </a:prstGeom>
+          <a:noFill/>
+        </p:spPr>
+        <p:txBody>
+          <a:bodyPr wrap="square" rtlCol="0">
+            <a:spAutoFit/>
+          </a:bodyPr>
+          <a:lstStyle/>
+          <a:p>
+            <a:pPr>
+              <a:lnSpc>
+                <a:spcPct val="150000"/>
+              </a:lnSpc>
+            </a:pPr>
+            <a:r>
+              <a:rPr lang="ko-KR" altLang="en-US" dirty="0"/>
+              <a:t>법선 벡터와 </a:t>
+            </a:r>
+            <a:r>
+              <a:rPr lang="en-US" altLang="ko-KR" dirty="0"/>
+              <a:t>90</a:t>
+            </a:r>
+            <a:r>
+              <a:rPr lang="ko-KR" altLang="en-US" dirty="0"/>
+              <a:t>도 이상 벌어지는</a:t>
+            </a:r>
+            <a:endParaRPr lang="en-US" altLang="ko-KR" dirty="0"/>
+          </a:p>
+          <a:p>
+            <a:pPr>
+              <a:lnSpc>
+                <a:spcPct val="150000"/>
+              </a:lnSpc>
+            </a:pPr>
+            <a:r>
+              <a:rPr lang="en-US" altLang="ko-KR" dirty="0"/>
+              <a:t>vertex normal</a:t>
+            </a:r>
+            <a:r>
+              <a:rPr lang="ko-KR" altLang="en-US" dirty="0"/>
+              <a:t>을 찾는다</a:t>
+            </a:r>
+            <a:r>
+              <a:rPr lang="en-US" altLang="ko-KR" dirty="0"/>
+              <a:t>.</a:t>
+            </a:r>
+            <a:endParaRPr lang="ko-KR" altLang="en-US" dirty="0"/>
+          </a:p>
+        </p:txBody>
+      </p:sp>
+      <p:sp>
+        <p:nvSpPr>
+          <p:cNvPr id="38" name="타원 37">
+            <a:extLst>
+              <a:ext uri="{FF2B5EF4-FFF2-40B4-BE49-F238E27FC236}">
+                <a16:creationId xmlns:a16="http://schemas.microsoft.com/office/drawing/2014/main" id="{B6527C2A-31FA-4F40-9313-81243BEDD2E1}"/>
+              </a:ext>
+            </a:extLst>
+          </p:cNvPr>
+          <p:cNvSpPr/>
+          <p:nvPr/>
+        </p:nvSpPr>
+        <p:spPr>
+          <a:xfrm>
+            <a:off x="2711827" y="5912688"/>
+            <a:ext cx="835959" cy="816246"/>
+          </a:xfrm>
+          <a:prstGeom prst="ellipse">
+            <a:avLst/>
+          </a:prstGeom>
+          <a:noFill/>
+          <a:ln w="25400">
+            <a:solidFill>
+              <a:srgbClr val="FF0000"/>
+            </a:solidFill>
+          </a:ln>
+        </p:spPr>
+        <p:style>
+          <a:lnRef idx="2">
+            <a:schemeClr val="accent1">
+              <a:shade val="50000"/>
+            </a:schemeClr>
+          </a:lnRef>
+          <a:fillRef idx="1">
+            <a:schemeClr val="accent1"/>
+          </a:fillRef>
+          <a:effectRef idx="0">
+            <a:schemeClr val="accent1"/>
+          </a:effectRef>
+          <a:fontRef idx="minor">
+            <a:schemeClr val="lt1"/>
+          </a:fontRef>
+        </p:style>
+        <p:txBody>
+          <a:bodyPr rtlCol="0" anchor="ctr"/>
+          <a:lstStyle/>
+          <a:p>
+            <a:pPr algn="ctr"/>
+            <a:endParaRPr lang="ko-KR" altLang="en-US"/>
+          </a:p>
+        </p:txBody>
+      </p:sp>
+    </p:spTree>
+    <p:extLst>
+      <p:ext uri="{BB962C8B-B14F-4D97-AF65-F5344CB8AC3E}">
+        <p14:creationId xmlns:p14="http://schemas.microsoft.com/office/powerpoint/2010/main" val="2267690241"/>
+      </p:ext>
+    </p:extLst>
+  </p:cSld>
+  <p:clrMapOvr>
+    <a:masterClrMapping/>
+  </p:clrMapOvr>
+  <p:timing>
+    <p:tnLst>
+      <p:par>
+        <p:cTn id="1" dur="indefinite" restart="never" nodeType="tmRoot">
+          <p:childTnLst>
+            <p:seq concurrent="1" nextAc="seek">
+              <p:cTn id="2" dur="indefinite" nodeType="mainSeq">
+                <p:childTnLst>
+                  <p:par>
+                    <p:cTn id="3" fill="hold">
+                      <p:stCondLst>
+                        <p:cond delay="indefinite"/>
+                      </p:stCondLst>
+                      <p:childTnLst>
+                        <p:par>
+                          <p:cTn id="4" fill="hold">
+                            <p:stCondLst>
+                              <p:cond delay="0"/>
+                            </p:stCondLst>
+                            <p:childTnLst>
+                              <p:par>
+                                <p:cTn id="5" presetID="1" presetClass="entr" presetSubtype="0" fill="hold" grpId="0" nodeType="clickEffect">
+                                  <p:stCondLst>
+                                    <p:cond delay="0"/>
+                                  </p:stCondLst>
+                                  <p:childTnLst>
+                                    <p:set>
+                                      <p:cBhvr>
+                                        <p:cTn id="6" dur="1" fill="hold">
+                                          <p:stCondLst>
+                                            <p:cond delay="0"/>
+                                          </p:stCondLst>
+                                        </p:cTn>
+                                        <p:tgtEl>
+                                          <p:spTgt spid="8"/>
+                                        </p:tgtEl>
+                                        <p:attrNameLst>
+                                          <p:attrName>style.visibility</p:attrName>
+                                        </p:attrNameLst>
+                                      </p:cBhvr>
+                                      <p:to>
+                                        <p:strVal val="visible"/>
+                                      </p:to>
+                                    </p:set>
+                                  </p:childTnLst>
+                                </p:cTn>
+                              </p:par>
+                              <p:par>
+                                <p:cTn id="7" presetID="1" presetClass="entr" presetSubtype="0" fill="hold" grpId="0" nodeType="withEffect">
+                                  <p:stCondLst>
+                                    <p:cond delay="0"/>
+                                  </p:stCondLst>
+                                  <p:childTnLst>
+                                    <p:set>
+                                      <p:cBhvr>
+                                        <p:cTn id="8" dur="1" fill="hold">
+                                          <p:stCondLst>
+                                            <p:cond delay="0"/>
+                                          </p:stCondLst>
+                                        </p:cTn>
+                                        <p:tgtEl>
+                                          <p:spTgt spid="17"/>
+                                        </p:tgtEl>
+                                        <p:attrNameLst>
+                                          <p:attrName>style.visibility</p:attrName>
+                                        </p:attrNameLst>
+                                      </p:cBhvr>
+                                      <p:to>
+                                        <p:strVal val="visible"/>
+                                      </p:to>
+                                    </p:set>
+                                  </p:childTnLst>
+                                </p:cTn>
+                              </p:par>
+                              <p:par>
+                                <p:cTn id="9" presetID="1" presetClass="entr" presetSubtype="0" fill="hold" nodeType="withEffect">
+                                  <p:stCondLst>
+                                    <p:cond delay="0"/>
+                                  </p:stCondLst>
+                                  <p:childTnLst>
+                                    <p:set>
+                                      <p:cBhvr>
+                                        <p:cTn id="10" dur="1" fill="hold">
+                                          <p:stCondLst>
+                                            <p:cond delay="0"/>
+                                          </p:stCondLst>
+                                        </p:cTn>
+                                        <p:tgtEl>
+                                          <p:spTgt spid="24"/>
+                                        </p:tgtEl>
+                                        <p:attrNameLst>
+                                          <p:attrName>style.visibility</p:attrName>
+                                        </p:attrNameLst>
+                                      </p:cBhvr>
+                                      <p:to>
+                                        <p:strVal val="visible"/>
+                                      </p:to>
+                                    </p:set>
+                                  </p:childTnLst>
+                                </p:cTn>
+                              </p:par>
+                              <p:par>
+                                <p:cTn id="11" presetID="1" presetClass="entr" presetSubtype="0" fill="hold" nodeType="withEffect">
+                                  <p:stCondLst>
+                                    <p:cond delay="0"/>
+                                  </p:stCondLst>
+                                  <p:childTnLst>
+                                    <p:set>
+                                      <p:cBhvr>
+                                        <p:cTn id="12" dur="1" fill="hold">
+                                          <p:stCondLst>
+                                            <p:cond delay="0"/>
+                                          </p:stCondLst>
+                                        </p:cTn>
+                                        <p:tgtEl>
+                                          <p:spTgt spid="25"/>
+                                        </p:tgtEl>
+                                        <p:attrNameLst>
+                                          <p:attrName>style.visibility</p:attrName>
+                                        </p:attrNameLst>
+                                      </p:cBhvr>
+                                      <p:to>
+                                        <p:strVal val="visible"/>
+                                      </p:to>
+                                    </p:set>
+                                  </p:childTnLst>
+                                </p:cTn>
+                              </p:par>
+                              <p:par>
+                                <p:cTn id="13" presetID="1" presetClass="entr" presetSubtype="0" fill="hold" nodeType="withEffect">
+                                  <p:stCondLst>
+                                    <p:cond delay="0"/>
+                                  </p:stCondLst>
+                                  <p:childTnLst>
+                                    <p:set>
+                                      <p:cBhvr>
+                                        <p:cTn id="14" dur="1" fill="hold">
+                                          <p:stCondLst>
+                                            <p:cond delay="0"/>
+                                          </p:stCondLst>
+                                        </p:cTn>
+                                        <p:tgtEl>
+                                          <p:spTgt spid="27"/>
+                                        </p:tgtEl>
+                                        <p:attrNameLst>
+                                          <p:attrName>style.visibility</p:attrName>
+                                        </p:attrNameLst>
+                                      </p:cBhvr>
+                                      <p:to>
+                                        <p:strVal val="visible"/>
+                                      </p:to>
+                                    </p:set>
+                                  </p:childTnLst>
+                                </p:cTn>
+                              </p:par>
+                              <p:par>
+                                <p:cTn id="15" presetID="1" presetClass="entr" presetSubtype="0" fill="hold" nodeType="withEffect">
+                                  <p:stCondLst>
+                                    <p:cond delay="0"/>
+                                  </p:stCondLst>
+                                  <p:childTnLst>
+                                    <p:set>
+                                      <p:cBhvr>
+                                        <p:cTn id="16" dur="1" fill="hold">
+                                          <p:stCondLst>
+                                            <p:cond delay="0"/>
+                                          </p:stCondLst>
+                                        </p:cTn>
+                                        <p:tgtEl>
+                                          <p:spTgt spid="30"/>
+                                        </p:tgtEl>
+                                        <p:attrNameLst>
+                                          <p:attrName>style.visibility</p:attrName>
+                                        </p:attrNameLst>
+                                      </p:cBhvr>
+                                      <p:to>
+                                        <p:strVal val="visible"/>
+                                      </p:to>
+                                    </p:set>
+                                  </p:childTnLst>
+                                </p:cTn>
+                              </p:par>
+                            </p:childTnLst>
+                          </p:cTn>
+                        </p:par>
+                      </p:childTnLst>
+                    </p:cTn>
+                  </p:par>
+                  <p:par>
+                    <p:cTn id="17" fill="hold">
+                      <p:stCondLst>
+                        <p:cond delay="indefinite"/>
+                      </p:stCondLst>
+                      <p:childTnLst>
+                        <p:par>
+                          <p:cTn id="18" fill="hold">
+                            <p:stCondLst>
+                              <p:cond delay="0"/>
+                            </p:stCondLst>
+                            <p:childTnLst>
+                              <p:par>
+                                <p:cTn id="19" presetID="1" presetClass="entr" presetSubtype="0" fill="hold" grpId="0" nodeType="clickEffect">
+                                  <p:stCondLst>
+                                    <p:cond delay="0"/>
+                                  </p:stCondLst>
+                                  <p:childTnLst>
+                                    <p:set>
+                                      <p:cBhvr>
+                                        <p:cTn id="20" dur="1" fill="hold">
+                                          <p:stCondLst>
+                                            <p:cond delay="0"/>
+                                          </p:stCondLst>
+                                        </p:cTn>
+                                        <p:tgtEl>
+                                          <p:spTgt spid="12"/>
+                                        </p:tgtEl>
+                                        <p:attrNameLst>
+                                          <p:attrName>style.visibility</p:attrName>
+                                        </p:attrNameLst>
+                                      </p:cBhvr>
+                                      <p:to>
+                                        <p:strVal val="visible"/>
+                                      </p:to>
+                                    </p:set>
+                                  </p:childTnLst>
+                                </p:cTn>
+                              </p:par>
+                              <p:par>
+                                <p:cTn id="21" presetID="1" presetClass="entr" presetSubtype="0" fill="hold" nodeType="withEffect">
+                                  <p:stCondLst>
+                                    <p:cond delay="0"/>
+                                  </p:stCondLst>
+                                  <p:childTnLst>
+                                    <p:set>
+                                      <p:cBhvr>
+                                        <p:cTn id="22" dur="1" fill="hold">
+                                          <p:stCondLst>
+                                            <p:cond delay="0"/>
+                                          </p:stCondLst>
+                                        </p:cTn>
+                                        <p:tgtEl>
+                                          <p:spTgt spid="26"/>
+                                        </p:tgtEl>
+                                        <p:attrNameLst>
+                                          <p:attrName>style.visibility</p:attrName>
+                                        </p:attrNameLst>
+                                      </p:cBhvr>
+                                      <p:to>
+                                        <p:strVal val="visible"/>
+                                      </p:to>
+                                    </p:set>
+                                  </p:childTnLst>
+                                </p:cTn>
+                              </p:par>
+                              <p:par>
+                                <p:cTn id="23" presetID="1" presetClass="entr" presetSubtype="0" fill="hold" nodeType="withEffect">
+                                  <p:stCondLst>
+                                    <p:cond delay="0"/>
+                                  </p:stCondLst>
+                                  <p:childTnLst>
+                                    <p:set>
+                                      <p:cBhvr>
+                                        <p:cTn id="24" dur="1" fill="hold">
+                                          <p:stCondLst>
+                                            <p:cond delay="0"/>
+                                          </p:stCondLst>
+                                        </p:cTn>
+                                        <p:tgtEl>
+                                          <p:spTgt spid="34"/>
+                                        </p:tgtEl>
+                                        <p:attrNameLst>
+                                          <p:attrName>style.visibility</p:attrName>
+                                        </p:attrNameLst>
+                                      </p:cBhvr>
+                                      <p:to>
+                                        <p:strVal val="visible"/>
+                                      </p:to>
+                                    </p:set>
+                                  </p:childTnLst>
+                                </p:cTn>
+                              </p:par>
+                              <p:par>
+                                <p:cTn id="25" presetID="1" presetClass="entr" presetSubtype="0" fill="hold" nodeType="withEffect">
+                                  <p:stCondLst>
+                                    <p:cond delay="0"/>
+                                  </p:stCondLst>
+                                  <p:childTnLst>
+                                    <p:set>
+                                      <p:cBhvr>
+                                        <p:cTn id="26" dur="1" fill="hold">
+                                          <p:stCondLst>
+                                            <p:cond delay="0"/>
+                                          </p:stCondLst>
+                                        </p:cTn>
+                                        <p:tgtEl>
+                                          <p:spTgt spid="35"/>
+                                        </p:tgtEl>
+                                        <p:attrNameLst>
+                                          <p:attrName>style.visibility</p:attrName>
+                                        </p:attrNameLst>
+                                      </p:cBhvr>
+                                      <p:to>
+                                        <p:strVal val="visible"/>
+                                      </p:to>
+                                    </p:set>
+                                  </p:childTnLst>
+                                </p:cTn>
+                              </p:par>
+                              <p:par>
+                                <p:cTn id="27" presetID="1" presetClass="entr" presetSubtype="0" fill="hold" nodeType="withEffect">
+                                  <p:stCondLst>
+                                    <p:cond delay="0"/>
+                                  </p:stCondLst>
+                                  <p:childTnLst>
+                                    <p:set>
+                                      <p:cBhvr>
+                                        <p:cTn id="28" dur="1" fill="hold">
+                                          <p:stCondLst>
+                                            <p:cond delay="0"/>
+                                          </p:stCondLst>
+                                        </p:cTn>
+                                        <p:tgtEl>
+                                          <p:spTgt spid="36"/>
+                                        </p:tgtEl>
+                                        <p:attrNameLst>
+                                          <p:attrName>style.visibility</p:attrName>
+                                        </p:attrNameLst>
+                                      </p:cBhvr>
+                                      <p:to>
+                                        <p:strVal val="visible"/>
+                                      </p:to>
+                                    </p:set>
+                                  </p:childTnLst>
+                                </p:cTn>
+                              </p:par>
+                              <p:par>
+                                <p:cTn id="29" presetID="1" presetClass="entr" presetSubtype="0" fill="hold" grpId="0" nodeType="withEffect">
+                                  <p:stCondLst>
+                                    <p:cond delay="0"/>
+                                  </p:stCondLst>
+                                  <p:childTnLst>
+                                    <p:set>
+                                      <p:cBhvr>
+                                        <p:cTn id="30" dur="1" fill="hold">
+                                          <p:stCondLst>
+                                            <p:cond delay="0"/>
+                                          </p:stCondLst>
+                                        </p:cTn>
+                                        <p:tgtEl>
+                                          <p:spTgt spid="37"/>
+                                        </p:tgtEl>
+                                        <p:attrNameLst>
+                                          <p:attrName>style.visibility</p:attrName>
+                                        </p:attrNameLst>
+                                      </p:cBhvr>
+                                      <p:to>
+                                        <p:strVal val="visible"/>
+                                      </p:to>
+                                    </p:set>
+                                  </p:childTnLst>
+                                </p:cTn>
+                              </p:par>
+                              <p:par>
+                                <p:cTn id="31" presetID="1" presetClass="entr" presetSubtype="0" fill="hold" grpId="0" nodeType="withEffect">
+                                  <p:stCondLst>
+                                    <p:cond delay="0"/>
+                                  </p:stCondLst>
+                                  <p:childTnLst>
+                                    <p:set>
+                                      <p:cBhvr>
+                                        <p:cTn id="32" dur="1" fill="hold">
+                                          <p:stCondLst>
+                                            <p:cond delay="0"/>
+                                          </p:stCondLst>
+                                        </p:cTn>
+                                        <p:tgtEl>
+                                          <p:spTgt spid="38"/>
+                                        </p:tgtEl>
+                                        <p:attrNameLst>
+                                          <p:attrName>style.visibility</p:attrName>
+                                        </p:attrNameLst>
+                                      </p:cBhvr>
+                                      <p:to>
+                                        <p:strVal val="visible"/>
+                                      </p:to>
+                                    </p:set>
+                                  </p:childTnLst>
+                                </p:cTn>
+                              </p:par>
+                            </p:childTnLst>
+                          </p:cTn>
+                        </p:par>
+                      </p:childTnLst>
+                    </p:cTn>
+                  </p:par>
+                </p:childTnLst>
+              </p:cTn>
+              <p:prevCondLst>
+                <p:cond evt="onPrev" delay="0">
+                  <p:tgtEl>
+                    <p:sldTgt/>
+                  </p:tgtEl>
+                </p:cond>
+              </p:prevCondLst>
+              <p:nextCondLst>
+                <p:cond evt="onNext" delay="0">
+                  <p:tgtEl>
+                    <p:sldTgt/>
+                  </p:tgtEl>
+                </p:cond>
+              </p:nextCondLst>
+            </p:seq>
+          </p:childTnLst>
+        </p:cTn>
+      </p:par>
+    </p:tnLst>
+    <p:bldLst>
+      <p:bldP spid="8" grpId="0" animBg="1"/>
+      <p:bldP spid="12" grpId="0" animBg="1"/>
+      <p:bldP spid="17" grpId="0"/>
+      <p:bldP spid="37" grpId="0"/>
+      <p:bldP spid="38" grpId="0" animBg="1"/>
+    </p:bldLst>
+  </p:timing>
+</p:sld>
+</file>
+
+<file path=ppt/slides/slide23.xml><?xml version="1.0" encoding="utf-8"?>
+<p:sld xmlns:a="http://schemas.openxmlformats.org/drawingml/2006/main" xmlns:r="http://schemas.openxmlformats.org/officeDocument/2006/relationships" xmlns:p="http://schemas.openxmlformats.org/presentationml/2006/main">
+  <p:cSld>
+    <p:spTree>
+      <p:nvGrpSpPr>
+        <p:cNvPr id="1" name=""/>
+        <p:cNvGrpSpPr/>
+        <p:nvPr/>
+      </p:nvGrpSpPr>
+      <p:grpSpPr>
+        <a:xfrm>
+          <a:off x="0" y="0"/>
+          <a:ext cx="0" cy="0"/>
+          <a:chOff x="0" y="0"/>
+          <a:chExt cx="0" cy="0"/>
+        </a:xfrm>
+      </p:grpSpPr>
+      <p:sp>
+        <p:nvSpPr>
+          <p:cNvPr id="5" name="TextBox 4">
+            <a:extLst>
+              <a:ext uri="{FF2B5EF4-FFF2-40B4-BE49-F238E27FC236}">
+                <a16:creationId xmlns:a16="http://schemas.microsoft.com/office/drawing/2014/main" id="{91D6BB34-55F4-4472-9C9D-B2F4B28F62C7}"/>
+              </a:ext>
+            </a:extLst>
+          </p:cNvPr>
+          <p:cNvSpPr txBox="1"/>
+          <p:nvPr/>
+        </p:nvSpPr>
+        <p:spPr>
+          <a:xfrm>
+            <a:off x="690282" y="939221"/>
+            <a:ext cx="8032011" cy="5909310"/>
+          </a:xfrm>
+          <a:prstGeom prst="rect">
+            <a:avLst/>
+          </a:prstGeom>
+          <a:noFill/>
+        </p:spPr>
+        <p:txBody>
+          <a:bodyPr wrap="square" rtlCol="0">
+            <a:spAutoFit/>
+          </a:bodyPr>
+          <a:lstStyle/>
+          <a:p>
+            <a:pPr>
+              <a:lnSpc>
+                <a:spcPct val="150000"/>
+              </a:lnSpc>
+            </a:pPr>
+            <a:r>
+              <a:rPr lang="en-US" altLang="ko-KR" dirty="0"/>
+              <a:t>function </a:t>
+            </a:r>
+            <a:r>
+              <a:rPr lang="en-US" altLang="ko-KR" dirty="0" err="1"/>
+              <a:t>fixTriangleVertexOrder</a:t>
+            </a:r>
+            <a:r>
+              <a:rPr lang="en-US" altLang="ko-KR" dirty="0"/>
+              <a:t>(triangles)</a:t>
+            </a:r>
+          </a:p>
+          <a:p>
+            <a:pPr>
+              <a:lnSpc>
+                <a:spcPct val="150000"/>
+              </a:lnSpc>
+            </a:pPr>
+            <a:r>
+              <a:rPr lang="en-US" altLang="ko-KR" dirty="0"/>
+              <a:t>{</a:t>
+            </a:r>
+          </a:p>
+          <a:p>
+            <a:pPr lvl="1">
+              <a:lnSpc>
+                <a:spcPct val="150000"/>
+              </a:lnSpc>
+            </a:pPr>
+            <a:r>
+              <a:rPr lang="en-US" altLang="ko-KR" dirty="0"/>
+              <a:t>for( each triangle in triangles)</a:t>
+            </a:r>
+          </a:p>
+          <a:p>
+            <a:pPr lvl="1">
+              <a:lnSpc>
+                <a:spcPct val="150000"/>
+              </a:lnSpc>
+            </a:pPr>
+            <a:r>
+              <a:rPr lang="en-US" altLang="ko-KR" dirty="0"/>
+              <a:t>{</a:t>
+            </a:r>
+          </a:p>
+          <a:p>
+            <a:pPr lvl="1">
+              <a:lnSpc>
+                <a:spcPct val="150000"/>
+              </a:lnSpc>
+            </a:pPr>
+            <a:r>
+              <a:rPr lang="en-US" altLang="ko-KR" dirty="0"/>
+              <a:t>	vector1 = triangle.vertex1 – triangle.vertex0;</a:t>
+            </a:r>
+          </a:p>
+          <a:p>
+            <a:pPr lvl="1">
+              <a:lnSpc>
+                <a:spcPct val="150000"/>
+              </a:lnSpc>
+            </a:pPr>
+            <a:r>
+              <a:rPr lang="en-US" altLang="ko-KR" dirty="0"/>
+              <a:t>	vector2 = triangle.vertex2 – triangle.vertex0;</a:t>
+            </a:r>
+          </a:p>
+          <a:p>
+            <a:pPr lvl="1">
+              <a:lnSpc>
+                <a:spcPct val="150000"/>
+              </a:lnSpc>
+            </a:pPr>
+            <a:r>
+              <a:rPr lang="en-US" altLang="ko-KR" dirty="0"/>
+              <a:t>	</a:t>
+            </a:r>
+            <a:r>
+              <a:rPr lang="en-US" altLang="ko-KR" dirty="0" err="1"/>
+              <a:t>planeNormal</a:t>
+            </a:r>
+            <a:r>
+              <a:rPr lang="en-US" altLang="ko-KR" dirty="0"/>
+              <a:t> = </a:t>
+            </a:r>
+            <a:r>
+              <a:rPr lang="en-US" altLang="ko-KR" dirty="0" err="1"/>
+              <a:t>crossProduct</a:t>
+            </a:r>
+            <a:r>
+              <a:rPr lang="en-US" altLang="ko-KR" dirty="0"/>
+              <a:t>(vector1, vector2);</a:t>
+            </a:r>
+          </a:p>
+          <a:p>
+            <a:pPr lvl="1">
+              <a:lnSpc>
+                <a:spcPct val="150000"/>
+              </a:lnSpc>
+            </a:pPr>
+            <a:endParaRPr lang="en-US" altLang="ko-KR" dirty="0"/>
+          </a:p>
+          <a:p>
+            <a:pPr lvl="1">
+              <a:lnSpc>
+                <a:spcPct val="150000"/>
+              </a:lnSpc>
+            </a:pPr>
+            <a:r>
+              <a:rPr lang="en-US" altLang="ko-KR" dirty="0"/>
+              <a:t>	if( </a:t>
+            </a:r>
+            <a:r>
+              <a:rPr lang="en-US" altLang="ko-KR" dirty="0" err="1"/>
+              <a:t>dotProduct</a:t>
+            </a:r>
+            <a:r>
+              <a:rPr lang="en-US" altLang="ko-KR" dirty="0"/>
+              <a:t>(</a:t>
+            </a:r>
+            <a:r>
+              <a:rPr lang="en-US" altLang="ko-KR" dirty="0" err="1"/>
+              <a:t>planeNormal</a:t>
+            </a:r>
+            <a:r>
+              <a:rPr lang="en-US" altLang="ko-KR" dirty="0"/>
+              <a:t>, triangle.vertexNormal0) &lt; 0.0 ||</a:t>
+            </a:r>
+          </a:p>
+          <a:p>
+            <a:pPr lvl="1">
+              <a:lnSpc>
+                <a:spcPct val="150000"/>
+              </a:lnSpc>
+            </a:pPr>
+            <a:r>
+              <a:rPr lang="en-US" altLang="ko-KR" dirty="0"/>
+              <a:t>	     </a:t>
+            </a:r>
+            <a:r>
+              <a:rPr lang="en-US" altLang="ko-KR" dirty="0" err="1"/>
+              <a:t>dotProduct</a:t>
+            </a:r>
+            <a:r>
+              <a:rPr lang="en-US" altLang="ko-KR" dirty="0"/>
+              <a:t>(</a:t>
+            </a:r>
+            <a:r>
+              <a:rPr lang="en-US" altLang="ko-KR" dirty="0" err="1"/>
+              <a:t>planeNormal</a:t>
+            </a:r>
+            <a:r>
+              <a:rPr lang="en-US" altLang="ko-KR" dirty="0"/>
+              <a:t>, triangle.vertexNormal1) &lt; 0.0 ||</a:t>
+            </a:r>
+          </a:p>
+          <a:p>
+            <a:pPr lvl="1">
+              <a:lnSpc>
+                <a:spcPct val="150000"/>
+              </a:lnSpc>
+            </a:pPr>
+            <a:r>
+              <a:rPr lang="en-US" altLang="ko-KR" dirty="0"/>
+              <a:t>	     </a:t>
+            </a:r>
+            <a:r>
+              <a:rPr lang="en-US" altLang="ko-KR" dirty="0" err="1"/>
+              <a:t>dotProduct</a:t>
+            </a:r>
+            <a:r>
+              <a:rPr lang="en-US" altLang="ko-KR" dirty="0"/>
+              <a:t>(</a:t>
+            </a:r>
+            <a:r>
+              <a:rPr lang="en-US" altLang="ko-KR" dirty="0" err="1"/>
+              <a:t>planeNormal</a:t>
+            </a:r>
+            <a:r>
+              <a:rPr lang="en-US" altLang="ko-KR" dirty="0"/>
+              <a:t>, triangle.vertexNormal2) &lt; 0.0)</a:t>
+            </a:r>
+          </a:p>
+          <a:p>
+            <a:pPr lvl="1">
+              <a:lnSpc>
+                <a:spcPct val="150000"/>
+              </a:lnSpc>
+            </a:pPr>
+            <a:r>
+              <a:rPr lang="en-US" altLang="ko-KR" dirty="0"/>
+              <a:t>		</a:t>
+            </a:r>
+            <a:r>
+              <a:rPr lang="en-US" altLang="ko-KR" dirty="0" err="1"/>
+              <a:t>changeVertexOrder</a:t>
+            </a:r>
+            <a:r>
+              <a:rPr lang="en-US" altLang="ko-KR" dirty="0"/>
+              <a:t>(triangle);</a:t>
+            </a:r>
+          </a:p>
+          <a:p>
+            <a:pPr lvl="1">
+              <a:lnSpc>
+                <a:spcPct val="150000"/>
+              </a:lnSpc>
+            </a:pPr>
+            <a:r>
+              <a:rPr lang="en-US" altLang="ko-KR" dirty="0"/>
+              <a:t>}</a:t>
+            </a:r>
+          </a:p>
+          <a:p>
+            <a:pPr>
+              <a:lnSpc>
+                <a:spcPct val="150000"/>
+              </a:lnSpc>
+            </a:pPr>
+            <a:r>
+              <a:rPr lang="en-US" altLang="ko-KR" dirty="0"/>
+              <a:t>} </a:t>
+            </a:r>
+            <a:endParaRPr lang="ko-KR" altLang="en-US" dirty="0"/>
+          </a:p>
+        </p:txBody>
+      </p:sp>
+      <p:sp>
+        <p:nvSpPr>
+          <p:cNvPr id="6" name="TextBox 5">
+            <a:extLst>
+              <a:ext uri="{FF2B5EF4-FFF2-40B4-BE49-F238E27FC236}">
+                <a16:creationId xmlns:a16="http://schemas.microsoft.com/office/drawing/2014/main" id="{87484355-B4BB-4C1D-8A27-AE899F085749}"/>
+              </a:ext>
+            </a:extLst>
+          </p:cNvPr>
+          <p:cNvSpPr txBox="1"/>
+          <p:nvPr/>
+        </p:nvSpPr>
+        <p:spPr>
+          <a:xfrm>
+            <a:off x="1084731" y="354446"/>
+            <a:ext cx="6970058" cy="461665"/>
+          </a:xfrm>
+          <a:prstGeom prst="rect">
+            <a:avLst/>
+          </a:prstGeom>
+          <a:noFill/>
+        </p:spPr>
+        <p:txBody>
+          <a:bodyPr wrap="square" rtlCol="0">
+            <a:spAutoFit/>
+          </a:bodyPr>
+          <a:lstStyle/>
+          <a:p>
+            <a:pPr algn="ctr"/>
+            <a:r>
+              <a:rPr lang="ko-KR" altLang="en-US" sz="2400" dirty="0">
+                <a:latin typeface="맑은 고딕" panose="020B0503020000020004" pitchFamily="50" charset="-127"/>
+                <a:ea typeface="맑은 고딕" panose="020B0503020000020004" pitchFamily="50" charset="-127"/>
+              </a:rPr>
+              <a:t>아마도 이런 코드와 비슷하겠지</a:t>
+            </a:r>
+            <a:r>
+              <a:rPr lang="en-US" altLang="ko-KR" sz="2400" dirty="0">
+                <a:latin typeface="맑은 고딕" panose="020B0503020000020004" pitchFamily="50" charset="-127"/>
+                <a:ea typeface="맑은 고딕" panose="020B0503020000020004" pitchFamily="50" charset="-127"/>
+              </a:rPr>
+              <a:t>…..</a:t>
+            </a:r>
+          </a:p>
+        </p:txBody>
+      </p:sp>
+    </p:spTree>
+    <p:extLst>
+      <p:ext uri="{BB962C8B-B14F-4D97-AF65-F5344CB8AC3E}">
+        <p14:creationId xmlns:p14="http://schemas.microsoft.com/office/powerpoint/2010/main" val="3256272698"/>
+      </p:ext>
+    </p:extLst>
+  </p:cSld>
+  <p:clrMapOvr>
+    <a:masterClrMapping/>
+  </p:clrMapOvr>
+</p:sld>
+</file>
+
+<file path=ppt/slides/slide24.xml><?xml version="1.0" encoding="utf-8"?>
+<p:sld xmlns:a="http://schemas.openxmlformats.org/drawingml/2006/main" xmlns:r="http://schemas.openxmlformats.org/officeDocument/2006/relationships" xmlns:p="http://schemas.openxmlformats.org/presentationml/2006/main">
+  <p:cSld>
+    <p:spTree>
+      <p:nvGrpSpPr>
+        <p:cNvPr id="1" name=""/>
+        <p:cNvGrpSpPr/>
+        <p:nvPr/>
+      </p:nvGrpSpPr>
+      <p:grpSpPr>
+        <a:xfrm>
+          <a:off x="0" y="0"/>
+          <a:ext cx="0" cy="0"/>
+          <a:chOff x="0" y="0"/>
+          <a:chExt cx="0" cy="0"/>
+        </a:xfrm>
+      </p:grpSpPr>
+      <p:sp>
+        <p:nvSpPr>
+          <p:cNvPr id="4" name="TextBox 3">
+            <a:extLst>
+              <a:ext uri="{FF2B5EF4-FFF2-40B4-BE49-F238E27FC236}">
+                <a16:creationId xmlns:a16="http://schemas.microsoft.com/office/drawing/2014/main" id="{AF23B744-85DB-4637-9F2C-C16741560D22}"/>
+              </a:ext>
+            </a:extLst>
+          </p:cNvPr>
+          <p:cNvSpPr txBox="1"/>
+          <p:nvPr/>
+        </p:nvSpPr>
+        <p:spPr>
+          <a:xfrm>
+            <a:off x="1084731" y="3124198"/>
+            <a:ext cx="6970058" cy="584775"/>
+          </a:xfrm>
+          <a:prstGeom prst="rect">
+            <a:avLst/>
+          </a:prstGeom>
+          <a:noFill/>
+        </p:spPr>
+        <p:txBody>
+          <a:bodyPr wrap="square" rtlCol="0">
+            <a:spAutoFit/>
+          </a:bodyPr>
+          <a:lstStyle/>
+          <a:p>
+            <a:pPr algn="ctr"/>
+            <a:r>
+              <a:rPr lang="ko-KR" altLang="en-US" sz="3200" dirty="0">
+                <a:latin typeface="맑은 고딕" panose="020B0503020000020004" pitchFamily="50" charset="-127"/>
+                <a:ea typeface="맑은 고딕" panose="020B0503020000020004" pitchFamily="50" charset="-127"/>
+              </a:rPr>
+              <a:t>실제 소스 코드를 봅시다</a:t>
+            </a:r>
+            <a:r>
+              <a:rPr lang="en-US" altLang="ko-KR" sz="3200" dirty="0">
+                <a:latin typeface="맑은 고딕" panose="020B0503020000020004" pitchFamily="50" charset="-127"/>
+                <a:ea typeface="맑은 고딕" panose="020B0503020000020004" pitchFamily="50" charset="-127"/>
+              </a:rPr>
+              <a:t>.</a:t>
+            </a:r>
+          </a:p>
+        </p:txBody>
+      </p:sp>
+    </p:spTree>
+    <p:extLst>
+      <p:ext uri="{BB962C8B-B14F-4D97-AF65-F5344CB8AC3E}">
+        <p14:creationId xmlns:p14="http://schemas.microsoft.com/office/powerpoint/2010/main" val="542570082"/>
+      </p:ext>
+    </p:extLst>
+  </p:cSld>
+  <p:clrMapOvr>
+    <a:masterClrMapping/>
+  </p:clrMapOvr>
+</p:sld>
+</file>
+
+<file path=ppt/slides/slide25.xml><?xml version="1.0" encoding="utf-8"?>
+<p:sld xmlns:a="http://schemas.openxmlformats.org/drawingml/2006/main" xmlns:r="http://schemas.openxmlformats.org/officeDocument/2006/relationships" xmlns:p="http://schemas.openxmlformats.org/presentationml/2006/main">
+  <p:cSld>
+    <p:spTree>
+      <p:nvGrpSpPr>
+        <p:cNvPr id="1" name=""/>
+        <p:cNvGrpSpPr/>
+        <p:nvPr/>
+      </p:nvGrpSpPr>
+      <p:grpSpPr>
+        <a:xfrm>
+          <a:off x="0" y="0"/>
+          <a:ext cx="0" cy="0"/>
+          <a:chOff x="0" y="0"/>
+          <a:chExt cx="0" cy="0"/>
+        </a:xfrm>
+      </p:grpSpPr>
+      <p:sp>
+        <p:nvSpPr>
+          <p:cNvPr id="4" name="TextBox 3">
+            <a:extLst>
+              <a:ext uri="{FF2B5EF4-FFF2-40B4-BE49-F238E27FC236}">
+                <a16:creationId xmlns:a16="http://schemas.microsoft.com/office/drawing/2014/main" id="{AF23B744-85DB-4637-9F2C-C16741560D22}"/>
+              </a:ext>
+            </a:extLst>
+          </p:cNvPr>
+          <p:cNvSpPr txBox="1"/>
+          <p:nvPr/>
+        </p:nvSpPr>
+        <p:spPr>
+          <a:xfrm>
+            <a:off x="1438836" y="2254621"/>
+            <a:ext cx="6270812" cy="2165529"/>
+          </a:xfrm>
+          <a:prstGeom prst="rect">
+            <a:avLst/>
+          </a:prstGeom>
+          <a:noFill/>
+        </p:spPr>
+        <p:txBody>
+          <a:bodyPr wrap="square" rtlCol="0">
+            <a:spAutoFit/>
+          </a:bodyPr>
+          <a:lstStyle/>
+          <a:p>
+            <a:pPr>
+              <a:lnSpc>
+                <a:spcPct val="150000"/>
+              </a:lnSpc>
+            </a:pPr>
+            <a:r>
+              <a:rPr lang="ko-KR" altLang="en-US" sz="4800" dirty="0">
+                <a:latin typeface="맑은 고딕" panose="020B0503020000020004" pitchFamily="50" charset="-127"/>
+                <a:ea typeface="맑은 고딕" panose="020B0503020000020004" pitchFamily="50" charset="-127"/>
+              </a:rPr>
+              <a:t>시간이 없으면 </a:t>
+            </a:r>
+            <a:r>
+              <a:rPr lang="en-US" altLang="ko-KR" sz="4800" dirty="0">
+                <a:latin typeface="맑은 고딕" panose="020B0503020000020004" pitchFamily="50" charset="-127"/>
+                <a:ea typeface="맑은 고딕" panose="020B0503020000020004" pitchFamily="50" charset="-127"/>
+              </a:rPr>
+              <a:t>Q &amp; A</a:t>
+            </a:r>
+          </a:p>
+          <a:p>
+            <a:pPr>
+              <a:lnSpc>
+                <a:spcPct val="150000"/>
+              </a:lnSpc>
+            </a:pPr>
+            <a:r>
+              <a:rPr lang="ko-KR" altLang="en-US" sz="4800" dirty="0">
+                <a:latin typeface="맑은 고딕" panose="020B0503020000020004" pitchFamily="50" charset="-127"/>
+                <a:ea typeface="맑은 고딕" panose="020B0503020000020004" pitchFamily="50" charset="-127"/>
+              </a:rPr>
+              <a:t>시간이 남으면 부록</a:t>
+            </a:r>
+            <a:endParaRPr lang="en-US" altLang="ko-KR" sz="4800" dirty="0">
+              <a:latin typeface="맑은 고딕" panose="020B0503020000020004" pitchFamily="50" charset="-127"/>
+              <a:ea typeface="맑은 고딕" panose="020B0503020000020004" pitchFamily="50" charset="-127"/>
+            </a:endParaRPr>
+          </a:p>
+        </p:txBody>
+      </p:sp>
+    </p:spTree>
+    <p:extLst>
+      <p:ext uri="{BB962C8B-B14F-4D97-AF65-F5344CB8AC3E}">
+        <p14:creationId xmlns:p14="http://schemas.microsoft.com/office/powerpoint/2010/main" val="3720951765"/>
       </p:ext>
     </p:extLst>
   </p:cSld>
